--- a/Stack-overflow-2018-data-analysis.pptx
+++ b/Stack-overflow-2018-data-analysis.pptx
@@ -5,7 +5,7 @@
     <p:sldMasterId id="2147483648" r:id="rId1"/>
   </p:sldMasterIdLst>
   <p:notesMasterIdLst>
-    <p:notesMasterId r:id="rId32"/>
+    <p:notesMasterId r:id="rId34"/>
   </p:notesMasterIdLst>
   <p:sldIdLst>
     <p:sldId id="256" r:id="rId2"/>
@@ -14,18 +14,18 @@
     <p:sldId id="283" r:id="rId5"/>
     <p:sldId id="284" r:id="rId6"/>
     <p:sldId id="267" r:id="rId7"/>
-    <p:sldId id="270" r:id="rId8"/>
-    <p:sldId id="268" r:id="rId9"/>
-    <p:sldId id="269" r:id="rId10"/>
-    <p:sldId id="271" r:id="rId11"/>
-    <p:sldId id="272" r:id="rId12"/>
-    <p:sldId id="273" r:id="rId13"/>
-    <p:sldId id="276" r:id="rId14"/>
-    <p:sldId id="274" r:id="rId15"/>
-    <p:sldId id="277" r:id="rId16"/>
-    <p:sldId id="278" r:id="rId17"/>
-    <p:sldId id="279" r:id="rId18"/>
-    <p:sldId id="280" r:id="rId19"/>
+    <p:sldId id="268" r:id="rId8"/>
+    <p:sldId id="269" r:id="rId9"/>
+    <p:sldId id="271" r:id="rId10"/>
+    <p:sldId id="272" r:id="rId11"/>
+    <p:sldId id="273" r:id="rId12"/>
+    <p:sldId id="276" r:id="rId13"/>
+    <p:sldId id="274" r:id="rId14"/>
+    <p:sldId id="277" r:id="rId15"/>
+    <p:sldId id="278" r:id="rId16"/>
+    <p:sldId id="279" r:id="rId17"/>
+    <p:sldId id="280" r:id="rId18"/>
+    <p:sldId id="286" r:id="rId19"/>
     <p:sldId id="281" r:id="rId20"/>
     <p:sldId id="275" r:id="rId21"/>
     <p:sldId id="257" r:id="rId22"/>
@@ -37,7 +37,9 @@
     <p:sldId id="263" r:id="rId28"/>
     <p:sldId id="264" r:id="rId29"/>
     <p:sldId id="265" r:id="rId30"/>
-    <p:sldId id="285" r:id="rId31"/>
+    <p:sldId id="287" r:id="rId31"/>
+    <p:sldId id="285" r:id="rId32"/>
+    <p:sldId id="288" r:id="rId33"/>
   </p:sldIdLst>
   <p:sldSz cx="12192000" cy="6858000"/>
   <p:notesSz cx="6858000" cy="9144000"/>
@@ -4191,7 +4193,7 @@
           <a:p>
             <a:fld id="{E87BFCAF-6976-A943-860B-8510B1D7E8B7}" type="slidenum">
               <a:rPr lang="en-US" smtClean="0"/>
-              <a:t>17</a:t>
+              <a:t>16</a:t>
             </a:fld>
             <a:endParaRPr lang="en-US"/>
           </a:p>
@@ -7454,93 +7456,6 @@
           <p:cNvPr id="2" name="Title 1">
             <a:extLst>
               <a:ext uri="{FF2B5EF4-FFF2-40B4-BE49-F238E27FC236}">
-                <a16:creationId xmlns:a16="http://schemas.microsoft.com/office/drawing/2014/main" id="{148D1DF6-1C1F-0A49-8DFF-1CFD9031BCB6}"/>
-              </a:ext>
-            </a:extLst>
-          </p:cNvPr>
-          <p:cNvSpPr>
-            <a:spLocks noGrp="1"/>
-          </p:cNvSpPr>
-          <p:nvPr>
-            <p:ph type="title"/>
-          </p:nvPr>
-        </p:nvSpPr>
-        <p:spPr/>
-        <p:txBody>
-          <a:bodyPr/>
-          <a:lstStyle/>
-          <a:p>
-            <a:r>
-              <a:rPr lang="en-US" dirty="0"/>
-              <a:t>Developer Roles</a:t>
-            </a:r>
-          </a:p>
-        </p:txBody>
-      </p:sp>
-      <p:pic>
-        <p:nvPicPr>
-          <p:cNvPr id="5" name="Content Placeholder 4">
-            <a:extLst>
-              <a:ext uri="{FF2B5EF4-FFF2-40B4-BE49-F238E27FC236}">
-                <a16:creationId xmlns:a16="http://schemas.microsoft.com/office/drawing/2014/main" id="{0026115F-D365-0342-853A-81DD3E514840}"/>
-              </a:ext>
-            </a:extLst>
-          </p:cNvPr>
-          <p:cNvPicPr>
-            <a:picLocks noGrp="1" noChangeAspect="1"/>
-          </p:cNvPicPr>
-          <p:nvPr>
-            <p:ph idx="1"/>
-          </p:nvPr>
-        </p:nvPicPr>
-        <p:blipFill>
-          <a:blip r:embed="rId2"/>
-          <a:stretch>
-            <a:fillRect/>
-          </a:stretch>
-        </p:blipFill>
-        <p:spPr>
-          <a:xfrm>
-            <a:off x="2209264" y="1048871"/>
-            <a:ext cx="7773472" cy="5307012"/>
-          </a:xfrm>
-        </p:spPr>
-      </p:pic>
-    </p:spTree>
-    <p:extLst>
-      <p:ext uri="{BB962C8B-B14F-4D97-AF65-F5344CB8AC3E}">
-        <p14:creationId xmlns:p14="http://schemas.microsoft.com/office/powerpoint/2010/main" val="2785525551"/>
-      </p:ext>
-    </p:extLst>
-  </p:cSld>
-  <p:clrMapOvr>
-    <a:masterClrMapping/>
-  </p:clrMapOvr>
-</p:sld>
-</file>
-
-<file path=ppt/slides/slide11.xml><?xml version="1.0" encoding="utf-8"?>
-<p:sld xmlns:a="http://schemas.openxmlformats.org/drawingml/2006/main" xmlns:r="http://schemas.openxmlformats.org/officeDocument/2006/relationships" xmlns:p="http://schemas.openxmlformats.org/presentationml/2006/main">
-  <p:cSld>
-    <p:spTree>
-      <p:nvGrpSpPr>
-        <p:cNvPr id="1" name=""/>
-        <p:cNvGrpSpPr/>
-        <p:nvPr/>
-      </p:nvGrpSpPr>
-      <p:grpSpPr>
-        <a:xfrm>
-          <a:off x="0" y="0"/>
-          <a:ext cx="0" cy="0"/>
-          <a:chOff x="0" y="0"/>
-          <a:chExt cx="0" cy="0"/>
-        </a:xfrm>
-      </p:grpSpPr>
-      <p:sp>
-        <p:nvSpPr>
-          <p:cNvPr id="2" name="Title 1">
-            <a:extLst>
-              <a:ext uri="{FF2B5EF4-FFF2-40B4-BE49-F238E27FC236}">
                 <a16:creationId xmlns:a16="http://schemas.microsoft.com/office/drawing/2014/main" id="{E636921F-89AE-3B47-8737-F0AB2487385F}"/>
               </a:ext>
             </a:extLst>
@@ -7666,7 +7581,7 @@
 </p:sld>
 </file>
 
-<file path=ppt/slides/slide12.xml><?xml version="1.0" encoding="utf-8"?>
+<file path=ppt/slides/slide11.xml><?xml version="1.0" encoding="utf-8"?>
 <p:sld xmlns:a="http://schemas.openxmlformats.org/drawingml/2006/main" xmlns:r="http://schemas.openxmlformats.org/officeDocument/2006/relationships" xmlns:p="http://schemas.openxmlformats.org/presentationml/2006/main">
   <p:cSld>
     <p:spTree>
@@ -7753,6 +7668,89 @@
 </p:sld>
 </file>
 
+<file path=ppt/slides/slide12.xml><?xml version="1.0" encoding="utf-8"?>
+<p:sld xmlns:a="http://schemas.openxmlformats.org/drawingml/2006/main" xmlns:r="http://schemas.openxmlformats.org/officeDocument/2006/relationships" xmlns:p="http://schemas.openxmlformats.org/presentationml/2006/main">
+  <p:cSld>
+    <p:spTree>
+      <p:nvGrpSpPr>
+        <p:cNvPr id="1" name=""/>
+        <p:cNvGrpSpPr/>
+        <p:nvPr/>
+      </p:nvGrpSpPr>
+      <p:grpSpPr>
+        <a:xfrm>
+          <a:off x="0" y="0"/>
+          <a:ext cx="0" cy="0"/>
+          <a:chOff x="0" y="0"/>
+          <a:chExt cx="0" cy="0"/>
+        </a:xfrm>
+      </p:grpSpPr>
+      <p:sp>
+        <p:nvSpPr>
+          <p:cNvPr id="2" name="Title 1">
+            <a:extLst>
+              <a:ext uri="{FF2B5EF4-FFF2-40B4-BE49-F238E27FC236}">
+                <a16:creationId xmlns:a16="http://schemas.microsoft.com/office/drawing/2014/main" id="{416E13EB-452E-0F47-B58E-86C45EB16931}"/>
+              </a:ext>
+            </a:extLst>
+          </p:cNvPr>
+          <p:cNvSpPr>
+            <a:spLocks noGrp="1"/>
+          </p:cNvSpPr>
+          <p:nvPr>
+            <p:ph type="title"/>
+          </p:nvPr>
+        </p:nvSpPr>
+        <p:spPr/>
+        <p:txBody>
+          <a:bodyPr/>
+          <a:lstStyle/>
+          <a:p>
+            <a:r>
+              <a:rPr lang="en-US" dirty="0"/>
+              <a:t>Demographics: Education</a:t>
+            </a:r>
+          </a:p>
+        </p:txBody>
+      </p:sp>
+      <p:sp>
+        <p:nvSpPr>
+          <p:cNvPr id="3" name="Content Placeholder 2">
+            <a:extLst>
+              <a:ext uri="{FF2B5EF4-FFF2-40B4-BE49-F238E27FC236}">
+                <a16:creationId xmlns:a16="http://schemas.microsoft.com/office/drawing/2014/main" id="{F4BD516B-16BA-6C4E-A077-8CF0F5714B7D}"/>
+              </a:ext>
+            </a:extLst>
+          </p:cNvPr>
+          <p:cNvSpPr>
+            <a:spLocks noGrp="1"/>
+          </p:cNvSpPr>
+          <p:nvPr>
+            <p:ph idx="1"/>
+          </p:nvPr>
+        </p:nvSpPr>
+        <p:spPr/>
+        <p:txBody>
+          <a:bodyPr/>
+          <a:lstStyle/>
+          <a:p>
+            <a:endParaRPr lang="en-US"/>
+          </a:p>
+        </p:txBody>
+      </p:sp>
+    </p:spTree>
+    <p:extLst>
+      <p:ext uri="{BB962C8B-B14F-4D97-AF65-F5344CB8AC3E}">
+        <p14:creationId xmlns:p14="http://schemas.microsoft.com/office/powerpoint/2010/main" val="523151897"/>
+      </p:ext>
+    </p:extLst>
+  </p:cSld>
+  <p:clrMapOvr>
+    <a:masterClrMapping/>
+  </p:clrMapOvr>
+</p:sld>
+</file>
+
 <file path=ppt/slides/slide13.xml><?xml version="1.0" encoding="utf-8"?>
 <p:sld xmlns:a="http://schemas.openxmlformats.org/drawingml/2006/main" xmlns:r="http://schemas.openxmlformats.org/officeDocument/2006/relationships" xmlns:p="http://schemas.openxmlformats.org/presentationml/2006/main">
   <p:cSld>
@@ -7772,89 +7770,6 @@
       </p:grpSpPr>
       <p:sp>
         <p:nvSpPr>
-          <p:cNvPr id="2" name="Title 1">
-            <a:extLst>
-              <a:ext uri="{FF2B5EF4-FFF2-40B4-BE49-F238E27FC236}">
-                <a16:creationId xmlns:a16="http://schemas.microsoft.com/office/drawing/2014/main" id="{416E13EB-452E-0F47-B58E-86C45EB16931}"/>
-              </a:ext>
-            </a:extLst>
-          </p:cNvPr>
-          <p:cNvSpPr>
-            <a:spLocks noGrp="1"/>
-          </p:cNvSpPr>
-          <p:nvPr>
-            <p:ph type="title"/>
-          </p:nvPr>
-        </p:nvSpPr>
-        <p:spPr/>
-        <p:txBody>
-          <a:bodyPr/>
-          <a:lstStyle/>
-          <a:p>
-            <a:r>
-              <a:rPr lang="en-US" dirty="0"/>
-              <a:t>Demographics: Education</a:t>
-            </a:r>
-          </a:p>
-        </p:txBody>
-      </p:sp>
-      <p:sp>
-        <p:nvSpPr>
-          <p:cNvPr id="3" name="Content Placeholder 2">
-            <a:extLst>
-              <a:ext uri="{FF2B5EF4-FFF2-40B4-BE49-F238E27FC236}">
-                <a16:creationId xmlns:a16="http://schemas.microsoft.com/office/drawing/2014/main" id="{F4BD516B-16BA-6C4E-A077-8CF0F5714B7D}"/>
-              </a:ext>
-            </a:extLst>
-          </p:cNvPr>
-          <p:cNvSpPr>
-            <a:spLocks noGrp="1"/>
-          </p:cNvSpPr>
-          <p:nvPr>
-            <p:ph idx="1"/>
-          </p:nvPr>
-        </p:nvSpPr>
-        <p:spPr/>
-        <p:txBody>
-          <a:bodyPr/>
-          <a:lstStyle/>
-          <a:p>
-            <a:endParaRPr lang="en-US"/>
-          </a:p>
-        </p:txBody>
-      </p:sp>
-    </p:spTree>
-    <p:extLst>
-      <p:ext uri="{BB962C8B-B14F-4D97-AF65-F5344CB8AC3E}">
-        <p14:creationId xmlns:p14="http://schemas.microsoft.com/office/powerpoint/2010/main" val="523151897"/>
-      </p:ext>
-    </p:extLst>
-  </p:cSld>
-  <p:clrMapOvr>
-    <a:masterClrMapping/>
-  </p:clrMapOvr>
-</p:sld>
-</file>
-
-<file path=ppt/slides/slide14.xml><?xml version="1.0" encoding="utf-8"?>
-<p:sld xmlns:a="http://schemas.openxmlformats.org/drawingml/2006/main" xmlns:r="http://schemas.openxmlformats.org/officeDocument/2006/relationships" xmlns:p="http://schemas.openxmlformats.org/presentationml/2006/main">
-  <p:cSld>
-    <p:spTree>
-      <p:nvGrpSpPr>
-        <p:cNvPr id="1" name=""/>
-        <p:cNvGrpSpPr/>
-        <p:nvPr/>
-      </p:nvGrpSpPr>
-      <p:grpSpPr>
-        <a:xfrm>
-          <a:off x="0" y="0"/>
-          <a:ext cx="0" cy="0"/>
-          <a:chOff x="0" y="0"/>
-          <a:chExt cx="0" cy="0"/>
-        </a:xfrm>
-      </p:grpSpPr>
-      <p:sp>
-        <p:nvSpPr>
           <p:cNvPr id="4" name="Title 3">
             <a:extLst>
               <a:ext uri="{FF2B5EF4-FFF2-40B4-BE49-F238E27FC236}">
@@ -7894,7 +7809,7 @@
 </p:sld>
 </file>
 
-<file path=ppt/slides/slide15.xml><?xml version="1.0" encoding="utf-8"?>
+<file path=ppt/slides/slide14.xml><?xml version="1.0" encoding="utf-8"?>
 <p:sld xmlns:a="http://schemas.openxmlformats.org/drawingml/2006/main" xmlns:r="http://schemas.openxmlformats.org/officeDocument/2006/relationships" xmlns:p="http://schemas.openxmlformats.org/presentationml/2006/main">
   <p:cSld>
     <p:spTree>
@@ -7981,7 +7896,7 @@
 </p:sld>
 </file>
 
-<file path=ppt/slides/slide16.xml><?xml version="1.0" encoding="utf-8"?>
+<file path=ppt/slides/slide15.xml><?xml version="1.0" encoding="utf-8"?>
 <p:sld xmlns:a="http://schemas.openxmlformats.org/drawingml/2006/main" xmlns:r="http://schemas.openxmlformats.org/officeDocument/2006/relationships" xmlns:p="http://schemas.openxmlformats.org/presentationml/2006/main">
   <p:cSld>
     <p:spTree>
@@ -8068,7 +7983,7 @@
 </p:sld>
 </file>
 
-<file path=ppt/slides/slide17.xml><?xml version="1.0" encoding="utf-8"?>
+<file path=ppt/slides/slide16.xml><?xml version="1.0" encoding="utf-8"?>
 <p:sld xmlns:a="http://schemas.openxmlformats.org/drawingml/2006/main" xmlns:r="http://schemas.openxmlformats.org/officeDocument/2006/relationships" xmlns:p="http://schemas.openxmlformats.org/presentationml/2006/main">
   <p:cSld>
     <p:spTree>
@@ -8108,7 +8023,7 @@
           <a:p>
             <a:r>
               <a:rPr lang="en-US" dirty="0"/>
-              <a:t>Database</a:t>
+              <a:t>Top 10 Database</a:t>
             </a:r>
           </a:p>
         </p:txBody>
@@ -8155,6 +8070,93 @@
 </p:sld>
 </file>
 
+<file path=ppt/slides/slide17.xml><?xml version="1.0" encoding="utf-8"?>
+<p:sld xmlns:a="http://schemas.openxmlformats.org/drawingml/2006/main" xmlns:r="http://schemas.openxmlformats.org/officeDocument/2006/relationships" xmlns:p="http://schemas.openxmlformats.org/presentationml/2006/main">
+  <p:cSld>
+    <p:spTree>
+      <p:nvGrpSpPr>
+        <p:cNvPr id="1" name=""/>
+        <p:cNvGrpSpPr/>
+        <p:nvPr/>
+      </p:nvGrpSpPr>
+      <p:grpSpPr>
+        <a:xfrm>
+          <a:off x="0" y="0"/>
+          <a:ext cx="0" cy="0"/>
+          <a:chOff x="0" y="0"/>
+          <a:chExt cx="0" cy="0"/>
+        </a:xfrm>
+      </p:grpSpPr>
+      <p:sp>
+        <p:nvSpPr>
+          <p:cNvPr id="3" name="Title 2">
+            <a:extLst>
+              <a:ext uri="{FF2B5EF4-FFF2-40B4-BE49-F238E27FC236}">
+                <a16:creationId xmlns:a16="http://schemas.microsoft.com/office/drawing/2014/main" id="{ACFD7319-1EA8-2C4C-A76F-95BC5E187D01}"/>
+              </a:ext>
+            </a:extLst>
+          </p:cNvPr>
+          <p:cNvSpPr>
+            <a:spLocks noGrp="1"/>
+          </p:cNvSpPr>
+          <p:nvPr>
+            <p:ph type="title"/>
+          </p:nvPr>
+        </p:nvSpPr>
+        <p:spPr/>
+        <p:txBody>
+          <a:bodyPr/>
+          <a:lstStyle/>
+          <a:p>
+            <a:r>
+              <a:rPr lang="en-US" dirty="0"/>
+              <a:t>Version Control &amp; Commit</a:t>
+            </a:r>
+          </a:p>
+        </p:txBody>
+      </p:sp>
+      <p:pic>
+        <p:nvPicPr>
+          <p:cNvPr id="6" name="Content Placeholder 5">
+            <a:extLst>
+              <a:ext uri="{FF2B5EF4-FFF2-40B4-BE49-F238E27FC236}">
+                <a16:creationId xmlns:a16="http://schemas.microsoft.com/office/drawing/2014/main" id="{69D05D0D-7579-6E43-BC36-84633F4069F5}"/>
+              </a:ext>
+            </a:extLst>
+          </p:cNvPr>
+          <p:cNvPicPr>
+            <a:picLocks noGrp="1" noChangeAspect="1"/>
+          </p:cNvPicPr>
+          <p:nvPr>
+            <p:ph idx="1"/>
+          </p:nvPr>
+        </p:nvPicPr>
+        <p:blipFill>
+          <a:blip r:embed="rId2"/>
+          <a:stretch>
+            <a:fillRect/>
+          </a:stretch>
+        </p:blipFill>
+        <p:spPr>
+          <a:xfrm>
+            <a:off x="1919664" y="1148884"/>
+            <a:ext cx="8552697" cy="5307012"/>
+          </a:xfrm>
+        </p:spPr>
+      </p:pic>
+    </p:spTree>
+    <p:extLst>
+      <p:ext uri="{BB962C8B-B14F-4D97-AF65-F5344CB8AC3E}">
+        <p14:creationId xmlns:p14="http://schemas.microsoft.com/office/powerpoint/2010/main" val="3787454949"/>
+      </p:ext>
+    </p:extLst>
+  </p:cSld>
+  <p:clrMapOvr>
+    <a:masterClrMapping/>
+  </p:clrMapOvr>
+</p:sld>
+</file>
+
 <file path=ppt/slides/slide18.xml><?xml version="1.0" encoding="utf-8"?>
 <p:sld xmlns:a="http://schemas.openxmlformats.org/drawingml/2006/main" xmlns:r="http://schemas.openxmlformats.org/officeDocument/2006/relationships" xmlns:p="http://schemas.openxmlformats.org/presentationml/2006/main">
   <p:cSld>
@@ -8195,7 +8197,7 @@
           <a:p>
             <a:r>
               <a:rPr lang="en-US" dirty="0"/>
-              <a:t>Version Control &amp; Commit</a:t>
+              <a:t>Commit Frequency</a:t>
             </a:r>
           </a:p>
         </p:txBody>
@@ -8205,7 +8207,7 @@
           <p:cNvPr id="7" name="Content Placeholder 6">
             <a:extLst>
               <a:ext uri="{FF2B5EF4-FFF2-40B4-BE49-F238E27FC236}">
-                <a16:creationId xmlns:a16="http://schemas.microsoft.com/office/drawing/2014/main" id="{8DAC47D6-EB27-9244-B94F-A2872B1B8F2A}"/>
+                <a16:creationId xmlns:a16="http://schemas.microsoft.com/office/drawing/2014/main" id="{30C43D10-C9F5-AC4F-9AE2-758DCDD00B9B}"/>
               </a:ext>
             </a:extLst>
           </p:cNvPr>
@@ -8224,45 +8226,15 @@
         </p:blipFill>
         <p:spPr>
           <a:xfrm>
-            <a:off x="71717" y="1748117"/>
-            <a:ext cx="6024283" cy="4383741"/>
+            <a:off x="2185808" y="1049338"/>
+            <a:ext cx="8629830" cy="5307012"/>
           </a:xfrm>
-        </p:spPr>
-      </p:pic>
-      <p:pic>
-        <p:nvPicPr>
-          <p:cNvPr id="9" name="Picture 8">
-            <a:extLst>
-              <a:ext uri="{FF2B5EF4-FFF2-40B4-BE49-F238E27FC236}">
-                <a16:creationId xmlns:a16="http://schemas.microsoft.com/office/drawing/2014/main" id="{EFFE8AF7-3679-4145-AE72-D0202CDCBBE6}"/>
-              </a:ext>
-            </a:extLst>
-          </p:cNvPr>
-          <p:cNvPicPr>
-            <a:picLocks noChangeAspect="1"/>
-          </p:cNvPicPr>
-          <p:nvPr/>
-        </p:nvPicPr>
-        <p:blipFill>
-          <a:blip r:embed="rId3"/>
-          <a:stretch>
-            <a:fillRect/>
-          </a:stretch>
-        </p:blipFill>
-        <p:spPr>
-          <a:xfrm>
-            <a:off x="6024282" y="1939881"/>
-            <a:ext cx="6167718" cy="4000211"/>
-          </a:xfrm>
-          <a:prstGeom prst="rect">
-            <a:avLst/>
-          </a:prstGeom>
         </p:spPr>
       </p:pic>
     </p:spTree>
     <p:extLst>
       <p:ext uri="{BB962C8B-B14F-4D97-AF65-F5344CB8AC3E}">
-        <p14:creationId xmlns:p14="http://schemas.microsoft.com/office/powerpoint/2010/main" val="3787454949"/>
+        <p14:creationId xmlns:p14="http://schemas.microsoft.com/office/powerpoint/2010/main" val="1658233260"/>
       </p:ext>
     </p:extLst>
   </p:cSld>
@@ -9664,6 +9636,98 @@
           <p:cNvPr id="2" name="Title 1">
             <a:extLst>
               <a:ext uri="{FF2B5EF4-FFF2-40B4-BE49-F238E27FC236}">
+                <a16:creationId xmlns:a16="http://schemas.microsoft.com/office/drawing/2014/main" id="{6522A906-BB28-CD4F-BFB1-4141D68BBD8B}"/>
+              </a:ext>
+            </a:extLst>
+          </p:cNvPr>
+          <p:cNvSpPr>
+            <a:spLocks noGrp="1"/>
+          </p:cNvSpPr>
+          <p:nvPr>
+            <p:ph type="title"/>
+          </p:nvPr>
+        </p:nvSpPr>
+        <p:spPr>
+          <a:xfrm>
+            <a:off x="838200" y="22225"/>
+            <a:ext cx="10515600" cy="1325563"/>
+          </a:xfrm>
+        </p:spPr>
+        <p:txBody>
+          <a:bodyPr/>
+          <a:lstStyle/>
+          <a:p>
+            <a:r>
+              <a:rPr lang="en-US" dirty="0"/>
+              <a:t>Top 10 Language by Salary (US)</a:t>
+            </a:r>
+          </a:p>
+        </p:txBody>
+      </p:sp>
+      <p:pic>
+        <p:nvPicPr>
+          <p:cNvPr id="7" name="Content Placeholder 6">
+            <a:extLst>
+              <a:ext uri="{FF2B5EF4-FFF2-40B4-BE49-F238E27FC236}">
+                <a16:creationId xmlns:a16="http://schemas.microsoft.com/office/drawing/2014/main" id="{06E5EEA5-E3FC-7A4D-BC95-1733705175A3}"/>
+              </a:ext>
+            </a:extLst>
+          </p:cNvPr>
+          <p:cNvPicPr>
+            <a:picLocks noGrp="1" noChangeAspect="1"/>
+          </p:cNvPicPr>
+          <p:nvPr>
+            <p:ph idx="1"/>
+          </p:nvPr>
+        </p:nvPicPr>
+        <p:blipFill>
+          <a:blip r:embed="rId2"/>
+          <a:stretch>
+            <a:fillRect/>
+          </a:stretch>
+        </p:blipFill>
+        <p:spPr>
+          <a:xfrm>
+            <a:off x="838200" y="1823216"/>
+            <a:ext cx="10515600" cy="3759255"/>
+          </a:xfrm>
+        </p:spPr>
+      </p:pic>
+    </p:spTree>
+    <p:extLst>
+      <p:ext uri="{BB962C8B-B14F-4D97-AF65-F5344CB8AC3E}">
+        <p14:creationId xmlns:p14="http://schemas.microsoft.com/office/powerpoint/2010/main" val="877039281"/>
+      </p:ext>
+    </p:extLst>
+  </p:cSld>
+  <p:clrMapOvr>
+    <a:masterClrMapping/>
+  </p:clrMapOvr>
+</p:sld>
+</file>
+
+<file path=ppt/slides/slide31.xml><?xml version="1.0" encoding="utf-8"?>
+<p:sld xmlns:a="http://schemas.openxmlformats.org/drawingml/2006/main" xmlns:r="http://schemas.openxmlformats.org/officeDocument/2006/relationships" xmlns:p="http://schemas.openxmlformats.org/presentationml/2006/main">
+  <p:cSld>
+    <p:spTree>
+      <p:nvGrpSpPr>
+        <p:cNvPr id="1" name=""/>
+        <p:cNvGrpSpPr/>
+        <p:nvPr/>
+      </p:nvGrpSpPr>
+      <p:grpSpPr>
+        <a:xfrm>
+          <a:off x="0" y="0"/>
+          <a:ext cx="0" cy="0"/>
+          <a:chOff x="0" y="0"/>
+          <a:chExt cx="0" cy="0"/>
+        </a:xfrm>
+      </p:grpSpPr>
+      <p:sp>
+        <p:nvSpPr>
+          <p:cNvPr id="2" name="Title 1">
+            <a:extLst>
+              <a:ext uri="{FF2B5EF4-FFF2-40B4-BE49-F238E27FC236}">
                 <a16:creationId xmlns:a16="http://schemas.microsoft.com/office/drawing/2014/main" id="{A561B959-A75C-D141-93BB-141161E6A7B4}"/>
               </a:ext>
             </a:extLst>
@@ -9788,6 +9852,76 @@
     <p:extLst>
       <p:ext uri="{BB962C8B-B14F-4D97-AF65-F5344CB8AC3E}">
         <p14:creationId xmlns:p14="http://schemas.microsoft.com/office/powerpoint/2010/main" val="1646545275"/>
+      </p:ext>
+    </p:extLst>
+  </p:cSld>
+  <p:clrMapOvr>
+    <a:masterClrMapping/>
+  </p:clrMapOvr>
+</p:sld>
+</file>
+
+<file path=ppt/slides/slide32.xml><?xml version="1.0" encoding="utf-8"?>
+<p:sld xmlns:a="http://schemas.openxmlformats.org/drawingml/2006/main" xmlns:r="http://schemas.openxmlformats.org/officeDocument/2006/relationships" xmlns:p="http://schemas.openxmlformats.org/presentationml/2006/main">
+  <p:cSld>
+    <p:spTree>
+      <p:nvGrpSpPr>
+        <p:cNvPr id="1" name=""/>
+        <p:cNvGrpSpPr/>
+        <p:nvPr/>
+      </p:nvGrpSpPr>
+      <p:grpSpPr>
+        <a:xfrm>
+          <a:off x="0" y="0"/>
+          <a:ext cx="0" cy="0"/>
+          <a:chOff x="0" y="0"/>
+          <a:chExt cx="0" cy="0"/>
+        </a:xfrm>
+      </p:grpSpPr>
+      <p:sp>
+        <p:nvSpPr>
+          <p:cNvPr id="4" name="Title 3">
+            <a:extLst>
+              <a:ext uri="{FF2B5EF4-FFF2-40B4-BE49-F238E27FC236}">
+                <a16:creationId xmlns:a16="http://schemas.microsoft.com/office/drawing/2014/main" id="{97DBC1E6-83A5-4F4F-893B-A6574D53270D}"/>
+              </a:ext>
+            </a:extLst>
+          </p:cNvPr>
+          <p:cNvSpPr>
+            <a:spLocks noGrp="1"/>
+          </p:cNvSpPr>
+          <p:nvPr>
+            <p:ph type="title"/>
+          </p:nvPr>
+        </p:nvSpPr>
+        <p:spPr/>
+        <p:txBody>
+          <a:bodyPr>
+            <a:normAutofit fontScale="90000"/>
+          </a:bodyPr>
+          <a:lstStyle/>
+          <a:p>
+            <a:r>
+              <a:rPr lang="en-US" dirty="0"/>
+              <a:t>Thank you!</a:t>
+            </a:r>
+            <a:br>
+              <a:rPr lang="en-US" dirty="0"/>
+            </a:br>
+            <a:br>
+              <a:rPr lang="en-US" dirty="0"/>
+            </a:br>
+            <a:r>
+              <a:rPr lang="en-US" dirty="0"/>
+              <a:t>Q &amp; A?</a:t>
+            </a:r>
+          </a:p>
+        </p:txBody>
+      </p:sp>
+    </p:spTree>
+    <p:extLst>
+      <p:ext uri="{BB962C8B-B14F-4D97-AF65-F5344CB8AC3E}">
+        <p14:creationId xmlns:p14="http://schemas.microsoft.com/office/powerpoint/2010/main" val="1496489604"/>
       </p:ext>
     </p:extLst>
   </p:cSld>
@@ -10161,10 +10295,10 @@
       </p:grpSpPr>
       <p:sp>
         <p:nvSpPr>
-          <p:cNvPr id="2" name="Title 1">
-            <a:extLst>
-              <a:ext uri="{FF2B5EF4-FFF2-40B4-BE49-F238E27FC236}">
-                <a16:creationId xmlns:a16="http://schemas.microsoft.com/office/drawing/2014/main" id="{265400B4-46CB-A148-A3D5-8213789EB5E1}"/>
+          <p:cNvPr id="4" name="Title 3">
+            <a:extLst>
+              <a:ext uri="{FF2B5EF4-FFF2-40B4-BE49-F238E27FC236}">
+                <a16:creationId xmlns:a16="http://schemas.microsoft.com/office/drawing/2014/main" id="{9D248A8A-4E63-3246-AA41-148582ABBA3B}"/>
               </a:ext>
             </a:extLst>
           </p:cNvPr>
@@ -10182,40 +10316,15 @@
           <a:p>
             <a:r>
               <a:rPr lang="en-US" dirty="0"/>
-              <a:t>Data</a:t>
-            </a:r>
-          </a:p>
-        </p:txBody>
-      </p:sp>
-      <p:sp>
-        <p:nvSpPr>
-          <p:cNvPr id="3" name="Content Placeholder 2">
-            <a:extLst>
-              <a:ext uri="{FF2B5EF4-FFF2-40B4-BE49-F238E27FC236}">
-                <a16:creationId xmlns:a16="http://schemas.microsoft.com/office/drawing/2014/main" id="{7106DB91-5A18-1745-881A-B20A19331243}"/>
-              </a:ext>
-            </a:extLst>
-          </p:cNvPr>
-          <p:cNvSpPr>
-            <a:spLocks noGrp="1"/>
-          </p:cNvSpPr>
-          <p:nvPr>
-            <p:ph idx="1"/>
-          </p:nvPr>
-        </p:nvSpPr>
-        <p:spPr/>
-        <p:txBody>
-          <a:bodyPr/>
-          <a:lstStyle/>
-          <a:p>
-            <a:endParaRPr lang="en-US"/>
+              <a:t>Developer Profile</a:t>
+            </a:r>
           </a:p>
         </p:txBody>
       </p:sp>
     </p:spTree>
     <p:extLst>
       <p:ext uri="{BB962C8B-B14F-4D97-AF65-F5344CB8AC3E}">
-        <p14:creationId xmlns:p14="http://schemas.microsoft.com/office/powerpoint/2010/main" val="3560031451"/>
+        <p14:creationId xmlns:p14="http://schemas.microsoft.com/office/powerpoint/2010/main" val="250931104"/>
       </p:ext>
     </p:extLst>
   </p:cSld>
@@ -10244,10 +10353,10 @@
       </p:grpSpPr>
       <p:sp>
         <p:nvSpPr>
-          <p:cNvPr id="4" name="Title 3">
-            <a:extLst>
-              <a:ext uri="{FF2B5EF4-FFF2-40B4-BE49-F238E27FC236}">
-                <a16:creationId xmlns:a16="http://schemas.microsoft.com/office/drawing/2014/main" id="{9D248A8A-4E63-3246-AA41-148582ABBA3B}"/>
+          <p:cNvPr id="3" name="Title 2">
+            <a:extLst>
+              <a:ext uri="{FF2B5EF4-FFF2-40B4-BE49-F238E27FC236}">
+                <a16:creationId xmlns:a16="http://schemas.microsoft.com/office/drawing/2014/main" id="{EC4C3BC2-C734-E14A-8A42-1A0A834639EA}"/>
               </a:ext>
             </a:extLst>
           </p:cNvPr>
@@ -10265,15 +10374,44 @@
           <a:p>
             <a:r>
               <a:rPr lang="en-US" dirty="0"/>
-              <a:t>Developer Profile</a:t>
-            </a:r>
-          </a:p>
-        </p:txBody>
-      </p:sp>
+              <a:t>Geography</a:t>
+            </a:r>
+          </a:p>
+        </p:txBody>
+      </p:sp>
+      <p:pic>
+        <p:nvPicPr>
+          <p:cNvPr id="6" name="Content Placeholder 5">
+            <a:extLst>
+              <a:ext uri="{FF2B5EF4-FFF2-40B4-BE49-F238E27FC236}">
+                <a16:creationId xmlns:a16="http://schemas.microsoft.com/office/drawing/2014/main" id="{85AF150A-A5CF-A048-A3F1-F8C0F1DB02CA}"/>
+              </a:ext>
+            </a:extLst>
+          </p:cNvPr>
+          <p:cNvPicPr>
+            <a:picLocks noGrp="1" noChangeAspect="1"/>
+          </p:cNvPicPr>
+          <p:nvPr>
+            <p:ph idx="1"/>
+          </p:nvPr>
+        </p:nvPicPr>
+        <p:blipFill>
+          <a:blip r:embed="rId2"/>
+          <a:stretch>
+            <a:fillRect/>
+          </a:stretch>
+        </p:blipFill>
+        <p:spPr>
+          <a:xfrm>
+            <a:off x="1720477" y="1048871"/>
+            <a:ext cx="8751046" cy="5848913"/>
+          </a:xfrm>
+        </p:spPr>
+      </p:pic>
     </p:spTree>
     <p:extLst>
       <p:ext uri="{BB962C8B-B14F-4D97-AF65-F5344CB8AC3E}">
-        <p14:creationId xmlns:p14="http://schemas.microsoft.com/office/powerpoint/2010/main" val="250931104"/>
+        <p14:creationId xmlns:p14="http://schemas.microsoft.com/office/powerpoint/2010/main" val="2423137877"/>
       </p:ext>
     </p:extLst>
   </p:cSld>
@@ -10302,10 +10440,10 @@
       </p:grpSpPr>
       <p:sp>
         <p:nvSpPr>
-          <p:cNvPr id="3" name="Title 2">
-            <a:extLst>
-              <a:ext uri="{FF2B5EF4-FFF2-40B4-BE49-F238E27FC236}">
-                <a16:creationId xmlns:a16="http://schemas.microsoft.com/office/drawing/2014/main" id="{EC4C3BC2-C734-E14A-8A42-1A0A834639EA}"/>
+          <p:cNvPr id="2" name="Title 1">
+            <a:extLst>
+              <a:ext uri="{FF2B5EF4-FFF2-40B4-BE49-F238E27FC236}">
+                <a16:creationId xmlns:a16="http://schemas.microsoft.com/office/drawing/2014/main" id="{148D1DF6-1C1F-0A49-8DFF-1CFD9031BCB6}"/>
               </a:ext>
             </a:extLst>
           </p:cNvPr>
@@ -10323,17 +10461,17 @@
           <a:p>
             <a:r>
               <a:rPr lang="en-US" dirty="0"/>
-              <a:t>Geography</a:t>
+              <a:t>Developer Roles</a:t>
             </a:r>
           </a:p>
         </p:txBody>
       </p:sp>
       <p:pic>
         <p:nvPicPr>
-          <p:cNvPr id="6" name="Content Placeholder 5">
-            <a:extLst>
-              <a:ext uri="{FF2B5EF4-FFF2-40B4-BE49-F238E27FC236}">
-                <a16:creationId xmlns:a16="http://schemas.microsoft.com/office/drawing/2014/main" id="{85AF150A-A5CF-A048-A3F1-F8C0F1DB02CA}"/>
+          <p:cNvPr id="5" name="Content Placeholder 4">
+            <a:extLst>
+              <a:ext uri="{FF2B5EF4-FFF2-40B4-BE49-F238E27FC236}">
+                <a16:creationId xmlns:a16="http://schemas.microsoft.com/office/drawing/2014/main" id="{0026115F-D365-0342-853A-81DD3E514840}"/>
               </a:ext>
             </a:extLst>
           </p:cNvPr>
@@ -10352,15 +10490,15 @@
         </p:blipFill>
         <p:spPr>
           <a:xfrm>
-            <a:off x="1720477" y="1048871"/>
-            <a:ext cx="8751046" cy="5848913"/>
+            <a:off x="2209264" y="1048871"/>
+            <a:ext cx="7773472" cy="5307012"/>
           </a:xfrm>
         </p:spPr>
       </p:pic>
     </p:spTree>
     <p:extLst>
       <p:ext uri="{BB962C8B-B14F-4D97-AF65-F5344CB8AC3E}">
-        <p14:creationId xmlns:p14="http://schemas.microsoft.com/office/powerpoint/2010/main" val="2423137877"/>
+        <p14:creationId xmlns:p14="http://schemas.microsoft.com/office/powerpoint/2010/main" val="2785525551"/>
       </p:ext>
     </p:extLst>
   </p:cSld>

--- a/Stack-overflow-2018-data-analysis.pptx
+++ b/Stack-overflow-2018-data-analysis.pptx
@@ -3777,7 +3777,7 @@
           <a:p>
             <a:fld id="{3D296FA4-8D31-E24A-89D9-4C3094BA17DE}" type="datetimeFigureOut">
               <a:rPr lang="en-US" smtClean="0"/>
-              <a:t>8/11/18</a:t>
+              <a:t>8/12/18</a:t>
             </a:fld>
             <a:endParaRPr lang="en-US"/>
           </a:p>
@@ -4359,7 +4359,7 @@
           <a:p>
             <a:fld id="{0C559D6A-A013-ED42-812C-F1F804FF282B}" type="datetimeFigureOut">
               <a:rPr lang="en-US" smtClean="0"/>
-              <a:t>8/11/18</a:t>
+              <a:t>8/12/18</a:t>
             </a:fld>
             <a:endParaRPr lang="en-US"/>
           </a:p>
@@ -4557,7 +4557,7 @@
           <a:p>
             <a:fld id="{0C559D6A-A013-ED42-812C-F1F804FF282B}" type="datetimeFigureOut">
               <a:rPr lang="en-US" smtClean="0"/>
-              <a:t>8/11/18</a:t>
+              <a:t>8/12/18</a:t>
             </a:fld>
             <a:endParaRPr lang="en-US"/>
           </a:p>
@@ -4765,7 +4765,7 @@
           <a:p>
             <a:fld id="{0C559D6A-A013-ED42-812C-F1F804FF282B}" type="datetimeFigureOut">
               <a:rPr lang="en-US" smtClean="0"/>
-              <a:t>8/11/18</a:t>
+              <a:t>8/12/18</a:t>
             </a:fld>
             <a:endParaRPr lang="en-US"/>
           </a:p>
@@ -4981,7 +4981,7 @@
           <a:p>
             <a:fld id="{0C559D6A-A013-ED42-812C-F1F804FF282B}" type="datetimeFigureOut">
               <a:rPr lang="en-US" smtClean="0"/>
-              <a:t>8/11/18</a:t>
+              <a:t>8/12/18</a:t>
             </a:fld>
             <a:endParaRPr lang="en-US"/>
           </a:p>
@@ -5135,7 +5135,7 @@
           <a:p>
             <a:fld id="{0C559D6A-A013-ED42-812C-F1F804FF282B}" type="datetimeFigureOut">
               <a:rPr lang="en-US" smtClean="0"/>
-              <a:t>8/11/18</a:t>
+              <a:t>8/12/18</a:t>
             </a:fld>
             <a:endParaRPr lang="en-US"/>
           </a:p>
@@ -5400,7 +5400,7 @@
           <a:p>
             <a:fld id="{0C559D6A-A013-ED42-812C-F1F804FF282B}" type="datetimeFigureOut">
               <a:rPr lang="en-US" smtClean="0"/>
-              <a:t>8/11/18</a:t>
+              <a:t>8/12/18</a:t>
             </a:fld>
             <a:endParaRPr lang="en-US"/>
           </a:p>
@@ -5812,7 +5812,7 @@
           <a:p>
             <a:fld id="{0C559D6A-A013-ED42-812C-F1F804FF282B}" type="datetimeFigureOut">
               <a:rPr lang="en-US" smtClean="0"/>
-              <a:t>8/11/18</a:t>
+              <a:t>8/12/18</a:t>
             </a:fld>
             <a:endParaRPr lang="en-US"/>
           </a:p>
@@ -5953,7 +5953,7 @@
           <a:p>
             <a:fld id="{0C559D6A-A013-ED42-812C-F1F804FF282B}" type="datetimeFigureOut">
               <a:rPr lang="en-US" smtClean="0"/>
-              <a:t>8/11/18</a:t>
+              <a:t>8/12/18</a:t>
             </a:fld>
             <a:endParaRPr lang="en-US"/>
           </a:p>
@@ -6066,7 +6066,7 @@
           <a:p>
             <a:fld id="{0C559D6A-A013-ED42-812C-F1F804FF282B}" type="datetimeFigureOut">
               <a:rPr lang="en-US" smtClean="0"/>
-              <a:t>8/11/18</a:t>
+              <a:t>8/12/18</a:t>
             </a:fld>
             <a:endParaRPr lang="en-US"/>
           </a:p>
@@ -6377,7 +6377,7 @@
           <a:p>
             <a:fld id="{0C559D6A-A013-ED42-812C-F1F804FF282B}" type="datetimeFigureOut">
               <a:rPr lang="en-US" smtClean="0"/>
-              <a:t>8/11/18</a:t>
+              <a:t>8/12/18</a:t>
             </a:fld>
             <a:endParaRPr lang="en-US"/>
           </a:p>
@@ -6665,7 +6665,7 @@
           <a:p>
             <a:fld id="{0C559D6A-A013-ED42-812C-F1F804FF282B}" type="datetimeFigureOut">
               <a:rPr lang="en-US" smtClean="0"/>
-              <a:t>8/11/18</a:t>
+              <a:t>8/12/18</a:t>
             </a:fld>
             <a:endParaRPr lang="en-US"/>
           </a:p>
@@ -6906,7 +6906,7 @@
           <a:p>
             <a:fld id="{0C559D6A-A013-ED42-812C-F1F804FF282B}" type="datetimeFigureOut">
               <a:rPr lang="en-US" smtClean="0"/>
-              <a:t>8/11/18</a:t>
+              <a:t>8/12/18</a:t>
             </a:fld>
             <a:endParaRPr lang="en-US"/>
           </a:p>
@@ -9650,7 +9650,7 @@
         <p:spPr>
           <a:xfrm>
             <a:off x="838200" y="22225"/>
-            <a:ext cx="10515600" cy="1325563"/>
+            <a:ext cx="10948988" cy="1325563"/>
           </a:xfrm>
         </p:spPr>
         <p:txBody>
@@ -9659,17 +9659,17 @@
           <a:p>
             <a:r>
               <a:rPr lang="en-US" dirty="0"/>
-              <a:t>Top 10 Language by Salary (US)</a:t>
+              <a:t>Salary and Experience by Language: Global</a:t>
             </a:r>
           </a:p>
         </p:txBody>
       </p:sp>
       <p:pic>
         <p:nvPicPr>
-          <p:cNvPr id="7" name="Content Placeholder 6">
-            <a:extLst>
-              <a:ext uri="{FF2B5EF4-FFF2-40B4-BE49-F238E27FC236}">
-                <a16:creationId xmlns:a16="http://schemas.microsoft.com/office/drawing/2014/main" id="{06E5EEA5-E3FC-7A4D-BC95-1733705175A3}"/>
+          <p:cNvPr id="6" name="Content Placeholder 5">
+            <a:extLst>
+              <a:ext uri="{FF2B5EF4-FFF2-40B4-BE49-F238E27FC236}">
+                <a16:creationId xmlns:a16="http://schemas.microsoft.com/office/drawing/2014/main" id="{CE7BE351-D904-B640-B5F7-57408F49ACCE}"/>
               </a:ext>
             </a:extLst>
           </p:cNvPr>
@@ -9688,8 +9688,8 @@
         </p:blipFill>
         <p:spPr>
           <a:xfrm>
-            <a:off x="838200" y="1823216"/>
-            <a:ext cx="10515600" cy="3759255"/>
+            <a:off x="838200" y="1067806"/>
+            <a:ext cx="10515600" cy="5270075"/>
           </a:xfrm>
         </p:spPr>
       </p:pic>

--- a/Stack-overflow-2018-data-analysis.pptx
+++ b/Stack-overflow-2018-data-analysis.pptx
@@ -5,41 +5,42 @@
     <p:sldMasterId id="2147483648" r:id="rId1"/>
   </p:sldMasterIdLst>
   <p:notesMasterIdLst>
-    <p:notesMasterId r:id="rId34"/>
+    <p:notesMasterId r:id="rId35"/>
   </p:notesMasterIdLst>
   <p:sldIdLst>
     <p:sldId id="256" r:id="rId2"/>
     <p:sldId id="282" r:id="rId3"/>
     <p:sldId id="266" r:id="rId4"/>
     <p:sldId id="283" r:id="rId5"/>
-    <p:sldId id="284" r:id="rId6"/>
-    <p:sldId id="267" r:id="rId7"/>
-    <p:sldId id="268" r:id="rId8"/>
-    <p:sldId id="269" r:id="rId9"/>
-    <p:sldId id="271" r:id="rId10"/>
-    <p:sldId id="272" r:id="rId11"/>
-    <p:sldId id="273" r:id="rId12"/>
-    <p:sldId id="276" r:id="rId13"/>
-    <p:sldId id="274" r:id="rId14"/>
-    <p:sldId id="277" r:id="rId15"/>
-    <p:sldId id="278" r:id="rId16"/>
-    <p:sldId id="279" r:id="rId17"/>
-    <p:sldId id="280" r:id="rId18"/>
-    <p:sldId id="286" r:id="rId19"/>
-    <p:sldId id="281" r:id="rId20"/>
-    <p:sldId id="275" r:id="rId21"/>
-    <p:sldId id="257" r:id="rId22"/>
-    <p:sldId id="258" r:id="rId23"/>
-    <p:sldId id="259" r:id="rId24"/>
-    <p:sldId id="260" r:id="rId25"/>
-    <p:sldId id="261" r:id="rId26"/>
-    <p:sldId id="262" r:id="rId27"/>
-    <p:sldId id="263" r:id="rId28"/>
-    <p:sldId id="264" r:id="rId29"/>
-    <p:sldId id="265" r:id="rId30"/>
-    <p:sldId id="287" r:id="rId31"/>
-    <p:sldId id="285" r:id="rId32"/>
-    <p:sldId id="288" r:id="rId33"/>
+    <p:sldId id="294" r:id="rId6"/>
+    <p:sldId id="284" r:id="rId7"/>
+    <p:sldId id="267" r:id="rId8"/>
+    <p:sldId id="268" r:id="rId9"/>
+    <p:sldId id="289" r:id="rId10"/>
+    <p:sldId id="290" r:id="rId11"/>
+    <p:sldId id="291" r:id="rId12"/>
+    <p:sldId id="292" r:id="rId13"/>
+    <p:sldId id="293" r:id="rId14"/>
+    <p:sldId id="274" r:id="rId15"/>
+    <p:sldId id="277" r:id="rId16"/>
+    <p:sldId id="278" r:id="rId17"/>
+    <p:sldId id="279" r:id="rId18"/>
+    <p:sldId id="280" r:id="rId19"/>
+    <p:sldId id="286" r:id="rId20"/>
+    <p:sldId id="281" r:id="rId21"/>
+    <p:sldId id="275" r:id="rId22"/>
+    <p:sldId id="257" r:id="rId23"/>
+    <p:sldId id="258" r:id="rId24"/>
+    <p:sldId id="259" r:id="rId25"/>
+    <p:sldId id="260" r:id="rId26"/>
+    <p:sldId id="261" r:id="rId27"/>
+    <p:sldId id="262" r:id="rId28"/>
+    <p:sldId id="263" r:id="rId29"/>
+    <p:sldId id="264" r:id="rId30"/>
+    <p:sldId id="265" r:id="rId31"/>
+    <p:sldId id="287" r:id="rId32"/>
+    <p:sldId id="285" r:id="rId33"/>
+    <p:sldId id="288" r:id="rId34"/>
   </p:sldIdLst>
   <p:sldSz cx="12192000" cy="6858000"/>
   <p:notesSz cx="6858000" cy="9144000"/>
@@ -3777,7 +3778,7 @@
           <a:p>
             <a:fld id="{3D296FA4-8D31-E24A-89D9-4C3094BA17DE}" type="datetimeFigureOut">
               <a:rPr lang="en-US" smtClean="0"/>
-              <a:t>8/12/18</a:t>
+              <a:t>8/13/18</a:t>
             </a:fld>
             <a:endParaRPr lang="en-US"/>
           </a:p>
@@ -4109,7 +4110,7 @@
           <a:p>
             <a:fld id="{E87BFCAF-6976-A943-860B-8510B1D7E8B7}" type="slidenum">
               <a:rPr lang="en-US" smtClean="0"/>
-              <a:t>6</a:t>
+              <a:t>7</a:t>
             </a:fld>
             <a:endParaRPr lang="en-US"/>
           </a:p>
@@ -4193,7 +4194,7 @@
           <a:p>
             <a:fld id="{E87BFCAF-6976-A943-860B-8510B1D7E8B7}" type="slidenum">
               <a:rPr lang="en-US" smtClean="0"/>
-              <a:t>16</a:t>
+              <a:t>17</a:t>
             </a:fld>
             <a:endParaRPr lang="en-US"/>
           </a:p>
@@ -4359,7 +4360,7 @@
           <a:p>
             <a:fld id="{0C559D6A-A013-ED42-812C-F1F804FF282B}" type="datetimeFigureOut">
               <a:rPr lang="en-US" smtClean="0"/>
-              <a:t>8/12/18</a:t>
+              <a:t>8/13/18</a:t>
             </a:fld>
             <a:endParaRPr lang="en-US"/>
           </a:p>
@@ -4557,7 +4558,7 @@
           <a:p>
             <a:fld id="{0C559D6A-A013-ED42-812C-F1F804FF282B}" type="datetimeFigureOut">
               <a:rPr lang="en-US" smtClean="0"/>
-              <a:t>8/12/18</a:t>
+              <a:t>8/13/18</a:t>
             </a:fld>
             <a:endParaRPr lang="en-US"/>
           </a:p>
@@ -4765,7 +4766,7 @@
           <a:p>
             <a:fld id="{0C559D6A-A013-ED42-812C-F1F804FF282B}" type="datetimeFigureOut">
               <a:rPr lang="en-US" smtClean="0"/>
-              <a:t>8/12/18</a:t>
+              <a:t>8/13/18</a:t>
             </a:fld>
             <a:endParaRPr lang="en-US"/>
           </a:p>
@@ -4981,7 +4982,7 @@
           <a:p>
             <a:fld id="{0C559D6A-A013-ED42-812C-F1F804FF282B}" type="datetimeFigureOut">
               <a:rPr lang="en-US" smtClean="0"/>
-              <a:t>8/12/18</a:t>
+              <a:t>8/13/18</a:t>
             </a:fld>
             <a:endParaRPr lang="en-US"/>
           </a:p>
@@ -5135,7 +5136,7 @@
           <a:p>
             <a:fld id="{0C559D6A-A013-ED42-812C-F1F804FF282B}" type="datetimeFigureOut">
               <a:rPr lang="en-US" smtClean="0"/>
-              <a:t>8/12/18</a:t>
+              <a:t>8/13/18</a:t>
             </a:fld>
             <a:endParaRPr lang="en-US"/>
           </a:p>
@@ -5400,7 +5401,7 @@
           <a:p>
             <a:fld id="{0C559D6A-A013-ED42-812C-F1F804FF282B}" type="datetimeFigureOut">
               <a:rPr lang="en-US" smtClean="0"/>
-              <a:t>8/12/18</a:t>
+              <a:t>8/13/18</a:t>
             </a:fld>
             <a:endParaRPr lang="en-US"/>
           </a:p>
@@ -5812,7 +5813,7 @@
           <a:p>
             <a:fld id="{0C559D6A-A013-ED42-812C-F1F804FF282B}" type="datetimeFigureOut">
               <a:rPr lang="en-US" smtClean="0"/>
-              <a:t>8/12/18</a:t>
+              <a:t>8/13/18</a:t>
             </a:fld>
             <a:endParaRPr lang="en-US"/>
           </a:p>
@@ -5953,7 +5954,7 @@
           <a:p>
             <a:fld id="{0C559D6A-A013-ED42-812C-F1F804FF282B}" type="datetimeFigureOut">
               <a:rPr lang="en-US" smtClean="0"/>
-              <a:t>8/12/18</a:t>
+              <a:t>8/13/18</a:t>
             </a:fld>
             <a:endParaRPr lang="en-US"/>
           </a:p>
@@ -6066,7 +6067,7 @@
           <a:p>
             <a:fld id="{0C559D6A-A013-ED42-812C-F1F804FF282B}" type="datetimeFigureOut">
               <a:rPr lang="en-US" smtClean="0"/>
-              <a:t>8/12/18</a:t>
+              <a:t>8/13/18</a:t>
             </a:fld>
             <a:endParaRPr lang="en-US"/>
           </a:p>
@@ -6377,7 +6378,7 @@
           <a:p>
             <a:fld id="{0C559D6A-A013-ED42-812C-F1F804FF282B}" type="datetimeFigureOut">
               <a:rPr lang="en-US" smtClean="0"/>
-              <a:t>8/12/18</a:t>
+              <a:t>8/13/18</a:t>
             </a:fld>
             <a:endParaRPr lang="en-US"/>
           </a:p>
@@ -6665,7 +6666,7 @@
           <a:p>
             <a:fld id="{0C559D6A-A013-ED42-812C-F1F804FF282B}" type="datetimeFigureOut">
               <a:rPr lang="en-US" smtClean="0"/>
-              <a:t>8/12/18</a:t>
+              <a:t>8/13/18</a:t>
             </a:fld>
             <a:endParaRPr lang="en-US"/>
           </a:p>
@@ -6906,7 +6907,7 @@
           <a:p>
             <a:fld id="{0C559D6A-A013-ED42-812C-F1F804FF282B}" type="datetimeFigureOut">
               <a:rPr lang="en-US" smtClean="0"/>
-              <a:t>8/12/18</a:t>
+              <a:t>8/13/18</a:t>
             </a:fld>
             <a:endParaRPr lang="en-US"/>
           </a:p>
@@ -7453,125 +7454,62 @@
       </p:grpSpPr>
       <p:sp>
         <p:nvSpPr>
-          <p:cNvPr id="2" name="Title 1">
-            <a:extLst>
-              <a:ext uri="{FF2B5EF4-FFF2-40B4-BE49-F238E27FC236}">
-                <a16:creationId xmlns:a16="http://schemas.microsoft.com/office/drawing/2014/main" id="{E636921F-89AE-3B47-8737-F0AB2487385F}"/>
-              </a:ext>
-            </a:extLst>
-          </p:cNvPr>
-          <p:cNvSpPr>
+          <p:cNvPr id="141" name="Title 1"/>
+          <p:cNvSpPr txBox="1">
             <a:spLocks noGrp="1"/>
           </p:cNvSpPr>
           <p:nvPr>
             <p:ph type="title"/>
           </p:nvPr>
         </p:nvSpPr>
-        <p:spPr/>
+        <p:spPr>
+          <a:prstGeom prst="rect">
+            <a:avLst/>
+          </a:prstGeom>
+        </p:spPr>
         <p:txBody>
           <a:bodyPr/>
           <a:lstStyle/>
           <a:p>
             <a:r>
-              <a:rPr lang="en-US" dirty="0"/>
-              <a:t>Demographics: Gender</a:t>
+              <a:t>Developer Roles</a:t>
             </a:r>
           </a:p>
         </p:txBody>
       </p:sp>
       <p:pic>
         <p:nvPicPr>
-          <p:cNvPr id="7" name="Picture 6">
-            <a:extLst>
-              <a:ext uri="{FF2B5EF4-FFF2-40B4-BE49-F238E27FC236}">
-                <a16:creationId xmlns:a16="http://schemas.microsoft.com/office/drawing/2014/main" id="{F9B3820B-7BEC-A343-B153-4A1ED0A3D49C}"/>
-              </a:ext>
-            </a:extLst>
-          </p:cNvPr>
+          <p:cNvPr id="142" name="Top10DeveloperTypes.png" descr="Top10DeveloperTypes.png"/>
           <p:cNvPicPr>
             <a:picLocks noChangeAspect="1"/>
           </p:cNvPicPr>
           <p:nvPr/>
         </p:nvPicPr>
         <p:blipFill>
-          <a:blip r:embed="rId2"/>
+          <a:blip r:embed="rId2">
+            <a:extLst/>
+          </a:blip>
           <a:stretch>
             <a:fillRect/>
           </a:stretch>
         </p:blipFill>
         <p:spPr>
           <a:xfrm>
-            <a:off x="5141258" y="1048871"/>
-            <a:ext cx="5994400" cy="2658782"/>
+            <a:off x="2602106" y="1450586"/>
+            <a:ext cx="6987787" cy="4770619"/>
           </a:xfrm>
           <a:prstGeom prst="rect">
             <a:avLst/>
           </a:prstGeom>
-        </p:spPr>
-      </p:pic>
-      <p:pic>
-        <p:nvPicPr>
-          <p:cNvPr id="9" name="Picture 8">
-            <a:extLst>
-              <a:ext uri="{FF2B5EF4-FFF2-40B4-BE49-F238E27FC236}">
-                <a16:creationId xmlns:a16="http://schemas.microsoft.com/office/drawing/2014/main" id="{D44DCFA3-979E-3245-90BA-C03CA48E6D17}"/>
-              </a:ext>
-            </a:extLst>
-          </p:cNvPr>
-          <p:cNvPicPr>
-            <a:picLocks noChangeAspect="1"/>
-          </p:cNvPicPr>
-          <p:nvPr/>
-        </p:nvPicPr>
-        <p:blipFill>
-          <a:blip r:embed="rId3"/>
-          <a:stretch>
-            <a:fillRect/>
-          </a:stretch>
-        </p:blipFill>
-        <p:spPr>
-          <a:xfrm>
-            <a:off x="5306358" y="3855571"/>
-            <a:ext cx="5829300" cy="2787276"/>
-          </a:xfrm>
-          <a:prstGeom prst="rect">
-            <a:avLst/>
-          </a:prstGeom>
-        </p:spPr>
-      </p:pic>
-      <p:pic>
-        <p:nvPicPr>
-          <p:cNvPr id="13" name="Content Placeholder 12">
-            <a:extLst>
-              <a:ext uri="{FF2B5EF4-FFF2-40B4-BE49-F238E27FC236}">
-                <a16:creationId xmlns:a16="http://schemas.microsoft.com/office/drawing/2014/main" id="{FCB1791D-D811-C04E-A7A3-D2AF398D2C2E}"/>
-              </a:ext>
-            </a:extLst>
-          </p:cNvPr>
-          <p:cNvPicPr>
-            <a:picLocks noGrp="1" noChangeAspect="1"/>
-          </p:cNvPicPr>
-          <p:nvPr>
-            <p:ph idx="1"/>
-          </p:nvPr>
-        </p:nvPicPr>
-        <p:blipFill>
-          <a:blip r:embed="rId4"/>
-          <a:stretch>
-            <a:fillRect/>
-          </a:stretch>
-        </p:blipFill>
-        <p:spPr>
-          <a:xfrm>
-            <a:off x="227852" y="1878853"/>
-            <a:ext cx="4913406" cy="3657600"/>
-          </a:xfrm>
+          <a:ln w="12700">
+            <a:miter lim="400000"/>
+          </a:ln>
         </p:spPr>
       </p:pic>
     </p:spTree>
     <p:extLst>
       <p:ext uri="{BB962C8B-B14F-4D97-AF65-F5344CB8AC3E}">
-        <p14:creationId xmlns:p14="http://schemas.microsoft.com/office/powerpoint/2010/main" val="2587607511"/>
+        <p14:creationId xmlns:p14="http://schemas.microsoft.com/office/powerpoint/2010/main" val="1082873826"/>
       </p:ext>
     </p:extLst>
   </p:cSld>
@@ -7598,67 +7536,125 @@
           <a:chExt cx="0" cy="0"/>
         </a:xfrm>
       </p:grpSpPr>
-      <p:sp>
-        <p:nvSpPr>
-          <p:cNvPr id="2" name="Title 1">
-            <a:extLst>
-              <a:ext uri="{FF2B5EF4-FFF2-40B4-BE49-F238E27FC236}">
-                <a16:creationId xmlns:a16="http://schemas.microsoft.com/office/drawing/2014/main" id="{416E13EB-452E-0F47-B58E-86C45EB16931}"/>
-              </a:ext>
-            </a:extLst>
-          </p:cNvPr>
-          <p:cNvSpPr>
-            <a:spLocks noGrp="1"/>
-          </p:cNvSpPr>
-          <p:nvPr>
-            <p:ph type="title"/>
-          </p:nvPr>
-        </p:nvSpPr>
-        <p:spPr/>
-        <p:txBody>
-          <a:bodyPr/>
-          <a:lstStyle/>
-          <a:p>
-            <a:r>
-              <a:rPr lang="en-US" dirty="0"/>
-              <a:t>Demographics: Age</a:t>
-            </a:r>
-          </a:p>
-        </p:txBody>
-      </p:sp>
       <p:pic>
         <p:nvPicPr>
-          <p:cNvPr id="5" name="Content Placeholder 4">
-            <a:extLst>
-              <a:ext uri="{FF2B5EF4-FFF2-40B4-BE49-F238E27FC236}">
-                <a16:creationId xmlns:a16="http://schemas.microsoft.com/office/drawing/2014/main" id="{97475AF8-88FA-4B41-A043-6E546740B962}"/>
-              </a:ext>
-            </a:extLst>
-          </p:cNvPr>
+          <p:cNvPr id="144" name="DevelopersGenderCountry.png" descr="DevelopersGenderCountry.png"/>
           <p:cNvPicPr>
-            <a:picLocks noGrp="1" noChangeAspect="1"/>
+            <a:picLocks noChangeAspect="1"/>
           </p:cNvPicPr>
-          <p:nvPr>
-            <p:ph idx="1"/>
-          </p:nvPr>
+          <p:nvPr/>
         </p:nvPicPr>
         <p:blipFill>
-          <a:blip r:embed="rId2"/>
+          <a:blip r:embed="rId2">
+            <a:extLst/>
+          </a:blip>
+          <a:srcRect t="1258" b="1261"/>
           <a:stretch>
             <a:fillRect/>
           </a:stretch>
         </p:blipFill>
         <p:spPr>
           <a:xfrm>
-            <a:off x="2936688" y="1048871"/>
-            <a:ext cx="6318624" cy="4679358"/>
+            <a:off x="5930690" y="1565837"/>
+            <a:ext cx="4146823" cy="2396090"/>
           </a:xfrm>
+          <a:prstGeom prst="rect">
+            <a:avLst/>
+          </a:prstGeom>
+          <a:ln w="12700">
+            <a:miter lim="400000"/>
+          </a:ln>
         </p:spPr>
       </p:pic>
+      <p:pic>
+        <p:nvPicPr>
+          <p:cNvPr id="145" name="DevelopersGenderExperiance.png" descr="DevelopersGenderExperiance.png"/>
+          <p:cNvPicPr>
+            <a:picLocks noChangeAspect="1"/>
+          </p:cNvPicPr>
+          <p:nvPr/>
+        </p:nvPicPr>
+        <p:blipFill>
+          <a:blip r:embed="rId3">
+            <a:extLst/>
+          </a:blip>
+          <a:srcRect t="803" b="804"/>
+          <a:stretch>
+            <a:fillRect/>
+          </a:stretch>
+        </p:blipFill>
+        <p:spPr>
+          <a:xfrm>
+            <a:off x="6006036" y="4002044"/>
+            <a:ext cx="4146839" cy="2471206"/>
+          </a:xfrm>
+          <a:prstGeom prst="rect">
+            <a:avLst/>
+          </a:prstGeom>
+          <a:ln w="12700">
+            <a:miter lim="400000"/>
+          </a:ln>
+        </p:spPr>
+      </p:pic>
+      <p:pic>
+        <p:nvPicPr>
+          <p:cNvPr id="146" name="Gender.png" descr="Gender.png"/>
+          <p:cNvPicPr>
+            <a:picLocks noChangeAspect="1"/>
+          </p:cNvPicPr>
+          <p:nvPr/>
+        </p:nvPicPr>
+        <p:blipFill>
+          <a:blip r:embed="rId4">
+            <a:extLst/>
+          </a:blip>
+          <a:srcRect l="5221" r="5221"/>
+          <a:stretch>
+            <a:fillRect/>
+          </a:stretch>
+        </p:blipFill>
+        <p:spPr>
+          <a:xfrm>
+            <a:off x="1694889" y="2266389"/>
+            <a:ext cx="3685056" cy="2743201"/>
+          </a:xfrm>
+          <a:prstGeom prst="rect">
+            <a:avLst/>
+          </a:prstGeom>
+          <a:ln w="12700">
+            <a:miter lim="400000"/>
+          </a:ln>
+        </p:spPr>
+      </p:pic>
+      <p:sp>
+        <p:nvSpPr>
+          <p:cNvPr id="147" name="Title 1"/>
+          <p:cNvSpPr txBox="1">
+            <a:spLocks noGrp="1"/>
+          </p:cNvSpPr>
+          <p:nvPr>
+            <p:ph type="title"/>
+          </p:nvPr>
+        </p:nvSpPr>
+        <p:spPr>
+          <a:prstGeom prst="rect">
+            <a:avLst/>
+          </a:prstGeom>
+        </p:spPr>
+        <p:txBody>
+          <a:bodyPr/>
+          <a:lstStyle/>
+          <a:p>
+            <a:r>
+              <a:t>Demographics: Gender</a:t>
+            </a:r>
+          </a:p>
+        </p:txBody>
+      </p:sp>
     </p:spTree>
     <p:extLst>
       <p:ext uri="{BB962C8B-B14F-4D97-AF65-F5344CB8AC3E}">
-        <p14:creationId xmlns:p14="http://schemas.microsoft.com/office/powerpoint/2010/main" val="2130818364"/>
+        <p14:creationId xmlns:p14="http://schemas.microsoft.com/office/powerpoint/2010/main" val="2368485518"/>
       </p:ext>
     </p:extLst>
   </p:cSld>
@@ -7687,61 +7683,62 @@
       </p:grpSpPr>
       <p:sp>
         <p:nvSpPr>
-          <p:cNvPr id="2" name="Title 1">
-            <a:extLst>
-              <a:ext uri="{FF2B5EF4-FFF2-40B4-BE49-F238E27FC236}">
-                <a16:creationId xmlns:a16="http://schemas.microsoft.com/office/drawing/2014/main" id="{416E13EB-452E-0F47-B58E-86C45EB16931}"/>
-              </a:ext>
-            </a:extLst>
-          </p:cNvPr>
-          <p:cNvSpPr>
+          <p:cNvPr id="149" name="Title 1"/>
+          <p:cNvSpPr txBox="1">
             <a:spLocks noGrp="1"/>
           </p:cNvSpPr>
           <p:nvPr>
             <p:ph type="title"/>
           </p:nvPr>
         </p:nvSpPr>
-        <p:spPr/>
+        <p:spPr>
+          <a:prstGeom prst="rect">
+            <a:avLst/>
+          </a:prstGeom>
+        </p:spPr>
         <p:txBody>
           <a:bodyPr/>
           <a:lstStyle/>
           <a:p>
             <a:r>
-              <a:rPr lang="en-US" dirty="0"/>
-              <a:t>Demographics: Education</a:t>
+              <a:t>Demographics: Age</a:t>
             </a:r>
           </a:p>
         </p:txBody>
       </p:sp>
-      <p:sp>
-        <p:nvSpPr>
-          <p:cNvPr id="3" name="Content Placeholder 2">
-            <a:extLst>
-              <a:ext uri="{FF2B5EF4-FFF2-40B4-BE49-F238E27FC236}">
-                <a16:creationId xmlns:a16="http://schemas.microsoft.com/office/drawing/2014/main" id="{F4BD516B-16BA-6C4E-A077-8CF0F5714B7D}"/>
-              </a:ext>
-            </a:extLst>
-          </p:cNvPr>
-          <p:cNvSpPr>
-            <a:spLocks noGrp="1"/>
-          </p:cNvSpPr>
-          <p:nvPr>
-            <p:ph idx="1"/>
-          </p:nvPr>
-        </p:nvSpPr>
-        <p:spPr/>
-        <p:txBody>
-          <a:bodyPr/>
-          <a:lstStyle/>
-          <a:p>
-            <a:endParaRPr lang="en-US"/>
-          </a:p>
-        </p:txBody>
-      </p:sp>
+      <p:pic>
+        <p:nvPicPr>
+          <p:cNvPr id="150" name="Content Placeholder 4" descr="Content Placeholder 4"/>
+          <p:cNvPicPr>
+            <a:picLocks noChangeAspect="1"/>
+          </p:cNvPicPr>
+          <p:nvPr/>
+        </p:nvPicPr>
+        <p:blipFill>
+          <a:blip r:embed="rId2">
+            <a:extLst/>
+          </a:blip>
+          <a:stretch>
+            <a:fillRect/>
+          </a:stretch>
+        </p:blipFill>
+        <p:spPr>
+          <a:xfrm>
+            <a:off x="3726515" y="1574454"/>
+            <a:ext cx="4738970" cy="3509520"/>
+          </a:xfrm>
+          <a:prstGeom prst="rect">
+            <a:avLst/>
+          </a:prstGeom>
+          <a:ln w="12700">
+            <a:miter lim="400000"/>
+          </a:ln>
+        </p:spPr>
+      </p:pic>
     </p:spTree>
     <p:extLst>
       <p:ext uri="{BB962C8B-B14F-4D97-AF65-F5344CB8AC3E}">
-        <p14:creationId xmlns:p14="http://schemas.microsoft.com/office/powerpoint/2010/main" val="523151897"/>
+        <p14:creationId xmlns:p14="http://schemas.microsoft.com/office/powerpoint/2010/main" val="3749292043"/>
       </p:ext>
     </p:extLst>
   </p:cSld>
@@ -7770,6 +7767,90 @@
       </p:grpSpPr>
       <p:sp>
         <p:nvSpPr>
+          <p:cNvPr id="152" name="Title 1"/>
+          <p:cNvSpPr txBox="1">
+            <a:spLocks noGrp="1"/>
+          </p:cNvSpPr>
+          <p:nvPr>
+            <p:ph type="title"/>
+          </p:nvPr>
+        </p:nvSpPr>
+        <p:spPr>
+          <a:prstGeom prst="rect">
+            <a:avLst/>
+          </a:prstGeom>
+        </p:spPr>
+        <p:txBody>
+          <a:bodyPr/>
+          <a:lstStyle/>
+          <a:p>
+            <a:r>
+              <a:t>Demographics: Education</a:t>
+            </a:r>
+          </a:p>
+        </p:txBody>
+      </p:sp>
+      <p:pic>
+        <p:nvPicPr>
+          <p:cNvPr id="153" name="ParentKidEducation.png" descr="ParentKidEducation.png"/>
+          <p:cNvPicPr>
+            <a:picLocks noChangeAspect="1"/>
+          </p:cNvPicPr>
+          <p:nvPr/>
+        </p:nvPicPr>
+        <p:blipFill>
+          <a:blip r:embed="rId2">
+            <a:extLst/>
+          </a:blip>
+          <a:stretch>
+            <a:fillRect/>
+          </a:stretch>
+        </p:blipFill>
+        <p:spPr>
+          <a:xfrm>
+            <a:off x="2750003" y="1206550"/>
+            <a:ext cx="6691994" cy="5081473"/>
+          </a:xfrm>
+          <a:prstGeom prst="rect">
+            <a:avLst/>
+          </a:prstGeom>
+          <a:ln w="12700">
+            <a:miter lim="400000"/>
+          </a:ln>
+        </p:spPr>
+      </p:pic>
+    </p:spTree>
+    <p:extLst>
+      <p:ext uri="{BB962C8B-B14F-4D97-AF65-F5344CB8AC3E}">
+        <p14:creationId xmlns:p14="http://schemas.microsoft.com/office/powerpoint/2010/main" val="2553578799"/>
+      </p:ext>
+    </p:extLst>
+  </p:cSld>
+  <p:clrMapOvr>
+    <a:masterClrMapping/>
+  </p:clrMapOvr>
+</p:sld>
+</file>
+
+<file path=ppt/slides/slide14.xml><?xml version="1.0" encoding="utf-8"?>
+<p:sld xmlns:a="http://schemas.openxmlformats.org/drawingml/2006/main" xmlns:r="http://schemas.openxmlformats.org/officeDocument/2006/relationships" xmlns:p="http://schemas.openxmlformats.org/presentationml/2006/main">
+  <p:cSld>
+    <p:spTree>
+      <p:nvGrpSpPr>
+        <p:cNvPr id="1" name=""/>
+        <p:cNvGrpSpPr/>
+        <p:nvPr/>
+      </p:nvGrpSpPr>
+      <p:grpSpPr>
+        <a:xfrm>
+          <a:off x="0" y="0"/>
+          <a:ext cx="0" cy="0"/>
+          <a:chOff x="0" y="0"/>
+          <a:chExt cx="0" cy="0"/>
+        </a:xfrm>
+      </p:grpSpPr>
+      <p:sp>
+        <p:nvSpPr>
           <p:cNvPr id="4" name="Title 3">
             <a:extLst>
               <a:ext uri="{FF2B5EF4-FFF2-40B4-BE49-F238E27FC236}">
@@ -7809,7 +7890,7 @@
 </p:sld>
 </file>
 
-<file path=ppt/slides/slide14.xml><?xml version="1.0" encoding="utf-8"?>
+<file path=ppt/slides/slide15.xml><?xml version="1.0" encoding="utf-8"?>
 <p:sld xmlns:a="http://schemas.openxmlformats.org/drawingml/2006/main" xmlns:r="http://schemas.openxmlformats.org/officeDocument/2006/relationships" xmlns:p="http://schemas.openxmlformats.org/presentationml/2006/main">
   <p:cSld>
     <p:spTree>
@@ -7896,7 +7977,7 @@
 </p:sld>
 </file>
 
-<file path=ppt/slides/slide15.xml><?xml version="1.0" encoding="utf-8"?>
+<file path=ppt/slides/slide16.xml><?xml version="1.0" encoding="utf-8"?>
 <p:sld xmlns:a="http://schemas.openxmlformats.org/drawingml/2006/main" xmlns:r="http://schemas.openxmlformats.org/officeDocument/2006/relationships" xmlns:p="http://schemas.openxmlformats.org/presentationml/2006/main">
   <p:cSld>
     <p:spTree>
@@ -7983,7 +8064,7 @@
 </p:sld>
 </file>
 
-<file path=ppt/slides/slide16.xml><?xml version="1.0" encoding="utf-8"?>
+<file path=ppt/slides/slide17.xml><?xml version="1.0" encoding="utf-8"?>
 <p:sld xmlns:a="http://schemas.openxmlformats.org/drawingml/2006/main" xmlns:r="http://schemas.openxmlformats.org/officeDocument/2006/relationships" xmlns:p="http://schemas.openxmlformats.org/presentationml/2006/main">
   <p:cSld>
     <p:spTree>
@@ -8070,93 +8151,6 @@
 </p:sld>
 </file>
 
-<file path=ppt/slides/slide17.xml><?xml version="1.0" encoding="utf-8"?>
-<p:sld xmlns:a="http://schemas.openxmlformats.org/drawingml/2006/main" xmlns:r="http://schemas.openxmlformats.org/officeDocument/2006/relationships" xmlns:p="http://schemas.openxmlformats.org/presentationml/2006/main">
-  <p:cSld>
-    <p:spTree>
-      <p:nvGrpSpPr>
-        <p:cNvPr id="1" name=""/>
-        <p:cNvGrpSpPr/>
-        <p:nvPr/>
-      </p:nvGrpSpPr>
-      <p:grpSpPr>
-        <a:xfrm>
-          <a:off x="0" y="0"/>
-          <a:ext cx="0" cy="0"/>
-          <a:chOff x="0" y="0"/>
-          <a:chExt cx="0" cy="0"/>
-        </a:xfrm>
-      </p:grpSpPr>
-      <p:sp>
-        <p:nvSpPr>
-          <p:cNvPr id="3" name="Title 2">
-            <a:extLst>
-              <a:ext uri="{FF2B5EF4-FFF2-40B4-BE49-F238E27FC236}">
-                <a16:creationId xmlns:a16="http://schemas.microsoft.com/office/drawing/2014/main" id="{ACFD7319-1EA8-2C4C-A76F-95BC5E187D01}"/>
-              </a:ext>
-            </a:extLst>
-          </p:cNvPr>
-          <p:cNvSpPr>
-            <a:spLocks noGrp="1"/>
-          </p:cNvSpPr>
-          <p:nvPr>
-            <p:ph type="title"/>
-          </p:nvPr>
-        </p:nvSpPr>
-        <p:spPr/>
-        <p:txBody>
-          <a:bodyPr/>
-          <a:lstStyle/>
-          <a:p>
-            <a:r>
-              <a:rPr lang="en-US" dirty="0"/>
-              <a:t>Version Control &amp; Commit</a:t>
-            </a:r>
-          </a:p>
-        </p:txBody>
-      </p:sp>
-      <p:pic>
-        <p:nvPicPr>
-          <p:cNvPr id="6" name="Content Placeholder 5">
-            <a:extLst>
-              <a:ext uri="{FF2B5EF4-FFF2-40B4-BE49-F238E27FC236}">
-                <a16:creationId xmlns:a16="http://schemas.microsoft.com/office/drawing/2014/main" id="{69D05D0D-7579-6E43-BC36-84633F4069F5}"/>
-              </a:ext>
-            </a:extLst>
-          </p:cNvPr>
-          <p:cNvPicPr>
-            <a:picLocks noGrp="1" noChangeAspect="1"/>
-          </p:cNvPicPr>
-          <p:nvPr>
-            <p:ph idx="1"/>
-          </p:nvPr>
-        </p:nvPicPr>
-        <p:blipFill>
-          <a:blip r:embed="rId2"/>
-          <a:stretch>
-            <a:fillRect/>
-          </a:stretch>
-        </p:blipFill>
-        <p:spPr>
-          <a:xfrm>
-            <a:off x="1919664" y="1148884"/>
-            <a:ext cx="8552697" cy="5307012"/>
-          </a:xfrm>
-        </p:spPr>
-      </p:pic>
-    </p:spTree>
-    <p:extLst>
-      <p:ext uri="{BB962C8B-B14F-4D97-AF65-F5344CB8AC3E}">
-        <p14:creationId xmlns:p14="http://schemas.microsoft.com/office/powerpoint/2010/main" val="3787454949"/>
-      </p:ext>
-    </p:extLst>
-  </p:cSld>
-  <p:clrMapOvr>
-    <a:masterClrMapping/>
-  </p:clrMapOvr>
-</p:sld>
-</file>
-
 <file path=ppt/slides/slide18.xml><?xml version="1.0" encoding="utf-8"?>
 <p:sld xmlns:a="http://schemas.openxmlformats.org/drawingml/2006/main" xmlns:r="http://schemas.openxmlformats.org/officeDocument/2006/relationships" xmlns:p="http://schemas.openxmlformats.org/presentationml/2006/main">
   <p:cSld>
@@ -8197,17 +8191,17 @@
           <a:p>
             <a:r>
               <a:rPr lang="en-US" dirty="0"/>
-              <a:t>Commit Frequency</a:t>
+              <a:t>Version Control &amp; Commit</a:t>
             </a:r>
           </a:p>
         </p:txBody>
       </p:sp>
       <p:pic>
         <p:nvPicPr>
-          <p:cNvPr id="7" name="Content Placeholder 6">
-            <a:extLst>
-              <a:ext uri="{FF2B5EF4-FFF2-40B4-BE49-F238E27FC236}">
-                <a16:creationId xmlns:a16="http://schemas.microsoft.com/office/drawing/2014/main" id="{30C43D10-C9F5-AC4F-9AE2-758DCDD00B9B}"/>
+          <p:cNvPr id="6" name="Content Placeholder 5">
+            <a:extLst>
+              <a:ext uri="{FF2B5EF4-FFF2-40B4-BE49-F238E27FC236}">
+                <a16:creationId xmlns:a16="http://schemas.microsoft.com/office/drawing/2014/main" id="{69D05D0D-7579-6E43-BC36-84633F4069F5}"/>
               </a:ext>
             </a:extLst>
           </p:cNvPr>
@@ -8226,15 +8220,15 @@
         </p:blipFill>
         <p:spPr>
           <a:xfrm>
-            <a:off x="2185808" y="1049338"/>
-            <a:ext cx="8629830" cy="5307012"/>
+            <a:off x="1819651" y="1049338"/>
+            <a:ext cx="8552697" cy="5307012"/>
           </a:xfrm>
         </p:spPr>
       </p:pic>
     </p:spTree>
     <p:extLst>
       <p:ext uri="{BB962C8B-B14F-4D97-AF65-F5344CB8AC3E}">
-        <p14:creationId xmlns:p14="http://schemas.microsoft.com/office/powerpoint/2010/main" val="1658233260"/>
+        <p14:creationId xmlns:p14="http://schemas.microsoft.com/office/powerpoint/2010/main" val="3787454949"/>
       </p:ext>
     </p:extLst>
   </p:cSld>
@@ -8284,17 +8278,17 @@
           <a:p>
             <a:r>
               <a:rPr lang="en-US" dirty="0"/>
-              <a:t>Operating System</a:t>
+              <a:t>Commit Frequency</a:t>
             </a:r>
           </a:p>
         </p:txBody>
       </p:sp>
       <p:pic>
         <p:nvPicPr>
-          <p:cNvPr id="6" name="Content Placeholder 5">
-            <a:extLst>
-              <a:ext uri="{FF2B5EF4-FFF2-40B4-BE49-F238E27FC236}">
-                <a16:creationId xmlns:a16="http://schemas.microsoft.com/office/drawing/2014/main" id="{A50FAFBD-1A6C-2E4F-9B66-22C3A969775B}"/>
+          <p:cNvPr id="7" name="Content Placeholder 6">
+            <a:extLst>
+              <a:ext uri="{FF2B5EF4-FFF2-40B4-BE49-F238E27FC236}">
+                <a16:creationId xmlns:a16="http://schemas.microsoft.com/office/drawing/2014/main" id="{30C43D10-C9F5-AC4F-9AE2-758DCDD00B9B}"/>
               </a:ext>
             </a:extLst>
           </p:cNvPr>
@@ -8313,15 +8307,15 @@
         </p:blipFill>
         <p:spPr>
           <a:xfrm>
-            <a:off x="4084471" y="1049338"/>
-            <a:ext cx="4023057" cy="5307012"/>
+            <a:off x="2185808" y="1049338"/>
+            <a:ext cx="7820383" cy="5307012"/>
           </a:xfrm>
         </p:spPr>
       </p:pic>
     </p:spTree>
     <p:extLst>
       <p:ext uri="{BB962C8B-B14F-4D97-AF65-F5344CB8AC3E}">
-        <p14:creationId xmlns:p14="http://schemas.microsoft.com/office/powerpoint/2010/main" val="2094283615"/>
+        <p14:creationId xmlns:p14="http://schemas.microsoft.com/office/powerpoint/2010/main" val="1658233260"/>
       </p:ext>
     </p:extLst>
   </p:cSld>
@@ -8466,10 +8460,10 @@
       </p:grpSpPr>
       <p:sp>
         <p:nvSpPr>
-          <p:cNvPr id="4" name="Title 3">
-            <a:extLst>
-              <a:ext uri="{FF2B5EF4-FFF2-40B4-BE49-F238E27FC236}">
-                <a16:creationId xmlns:a16="http://schemas.microsoft.com/office/drawing/2014/main" id="{9D248A8A-4E63-3246-AA41-148582ABBA3B}"/>
+          <p:cNvPr id="3" name="Title 2">
+            <a:extLst>
+              <a:ext uri="{FF2B5EF4-FFF2-40B4-BE49-F238E27FC236}">
+                <a16:creationId xmlns:a16="http://schemas.microsoft.com/office/drawing/2014/main" id="{ACFD7319-1EA8-2C4C-A76F-95BC5E187D01}"/>
               </a:ext>
             </a:extLst>
           </p:cNvPr>
@@ -8487,15 +8481,44 @@
           <a:p>
             <a:r>
               <a:rPr lang="en-US" dirty="0"/>
-              <a:t>Work</a:t>
+              <a:t>Operating System</a:t>
             </a:r>
           </a:p>
         </p:txBody>
       </p:sp>
+      <p:pic>
+        <p:nvPicPr>
+          <p:cNvPr id="6" name="Content Placeholder 5">
+            <a:extLst>
+              <a:ext uri="{FF2B5EF4-FFF2-40B4-BE49-F238E27FC236}">
+                <a16:creationId xmlns:a16="http://schemas.microsoft.com/office/drawing/2014/main" id="{A50FAFBD-1A6C-2E4F-9B66-22C3A969775B}"/>
+              </a:ext>
+            </a:extLst>
+          </p:cNvPr>
+          <p:cNvPicPr>
+            <a:picLocks noGrp="1" noChangeAspect="1"/>
+          </p:cNvPicPr>
+          <p:nvPr>
+            <p:ph idx="1"/>
+          </p:nvPr>
+        </p:nvPicPr>
+        <p:blipFill>
+          <a:blip r:embed="rId2"/>
+          <a:stretch>
+            <a:fillRect/>
+          </a:stretch>
+        </p:blipFill>
+        <p:spPr>
+          <a:xfrm>
+            <a:off x="4084471" y="1049338"/>
+            <a:ext cx="4023057" cy="5307012"/>
+          </a:xfrm>
+        </p:spPr>
+      </p:pic>
     </p:spTree>
     <p:extLst>
       <p:ext uri="{BB962C8B-B14F-4D97-AF65-F5344CB8AC3E}">
-        <p14:creationId xmlns:p14="http://schemas.microsoft.com/office/powerpoint/2010/main" val="3955475947"/>
+        <p14:creationId xmlns:p14="http://schemas.microsoft.com/office/powerpoint/2010/main" val="2094283615"/>
       </p:ext>
     </p:extLst>
   </p:cSld>
@@ -8524,10 +8547,10 @@
       </p:grpSpPr>
       <p:sp>
         <p:nvSpPr>
-          <p:cNvPr id="2" name="Title 1">
-            <a:extLst>
-              <a:ext uri="{FF2B5EF4-FFF2-40B4-BE49-F238E27FC236}">
-                <a16:creationId xmlns:a16="http://schemas.microsoft.com/office/drawing/2014/main" id="{D271A956-0484-1F4F-813A-682E9691AE67}"/>
+          <p:cNvPr id="4" name="Title 3">
+            <a:extLst>
+              <a:ext uri="{FF2B5EF4-FFF2-40B4-BE49-F238E27FC236}">
+                <a16:creationId xmlns:a16="http://schemas.microsoft.com/office/drawing/2014/main" id="{9D248A8A-4E63-3246-AA41-148582ABBA3B}"/>
               </a:ext>
             </a:extLst>
           </p:cNvPr>
@@ -8538,56 +8561,22 @@
             <p:ph type="title"/>
           </p:nvPr>
         </p:nvSpPr>
-        <p:spPr>
-          <a:xfrm>
-            <a:off x="838200" y="0"/>
-            <a:ext cx="10515600" cy="1325563"/>
-          </a:xfrm>
-        </p:spPr>
+        <p:spPr/>
         <p:txBody>
           <a:bodyPr/>
           <a:lstStyle/>
           <a:p>
             <a:r>
               <a:rPr lang="en-US" dirty="0"/>
-              <a:t>Respondents Distribution by Company Size</a:t>
+              <a:t>Work</a:t>
             </a:r>
           </a:p>
         </p:txBody>
       </p:sp>
-      <p:pic>
-        <p:nvPicPr>
-          <p:cNvPr id="5" name="Content Placeholder 4">
-            <a:extLst>
-              <a:ext uri="{FF2B5EF4-FFF2-40B4-BE49-F238E27FC236}">
-                <a16:creationId xmlns:a16="http://schemas.microsoft.com/office/drawing/2014/main" id="{5D678328-5DAA-E649-B67C-B5BCCCD6A914}"/>
-              </a:ext>
-            </a:extLst>
-          </p:cNvPr>
-          <p:cNvPicPr>
-            <a:picLocks noGrp="1" noChangeAspect="1"/>
-          </p:cNvPicPr>
-          <p:nvPr>
-            <p:ph idx="1"/>
-          </p:nvPr>
-        </p:nvPicPr>
-        <p:blipFill>
-          <a:blip r:embed="rId2"/>
-          <a:stretch>
-            <a:fillRect/>
-          </a:stretch>
-        </p:blipFill>
-        <p:spPr>
-          <a:xfrm>
-            <a:off x="838200" y="1285874"/>
-            <a:ext cx="10891838" cy="5238737"/>
-          </a:xfrm>
-        </p:spPr>
-      </p:pic>
     </p:spTree>
     <p:extLst>
       <p:ext uri="{BB962C8B-B14F-4D97-AF65-F5344CB8AC3E}">
-        <p14:creationId xmlns:p14="http://schemas.microsoft.com/office/powerpoint/2010/main" val="520890092"/>
+        <p14:creationId xmlns:p14="http://schemas.microsoft.com/office/powerpoint/2010/main" val="3955475947"/>
       </p:ext>
     </p:extLst>
   </p:cSld>
@@ -8619,7 +8608,7 @@
           <p:cNvPr id="2" name="Title 1">
             <a:extLst>
               <a:ext uri="{FF2B5EF4-FFF2-40B4-BE49-F238E27FC236}">
-                <a16:creationId xmlns:a16="http://schemas.microsoft.com/office/drawing/2014/main" id="{AC28B707-3ECB-9F4A-A93C-0E80A8E57301}"/>
+                <a16:creationId xmlns:a16="http://schemas.microsoft.com/office/drawing/2014/main" id="{D271A956-0484-1F4F-813A-682E9691AE67}"/>
               </a:ext>
             </a:extLst>
           </p:cNvPr>
@@ -8630,19 +8619,16 @@
             <p:ph type="title"/>
           </p:nvPr>
         </p:nvSpPr>
-        <p:spPr>
-          <a:xfrm>
-            <a:off x="838200" y="0"/>
-            <a:ext cx="10515600" cy="1325563"/>
-          </a:xfrm>
-        </p:spPr>
+        <p:spPr/>
         <p:txBody>
-          <a:bodyPr/>
+          <a:bodyPr>
+            <a:normAutofit/>
+          </a:bodyPr>
           <a:lstStyle/>
           <a:p>
             <a:r>
               <a:rPr lang="en-US" dirty="0"/>
-              <a:t>Employment Status Distribution</a:t>
+              <a:t>Company Size</a:t>
             </a:r>
           </a:p>
         </p:txBody>
@@ -8652,7 +8638,7 @@
           <p:cNvPr id="5" name="Content Placeholder 4">
             <a:extLst>
               <a:ext uri="{FF2B5EF4-FFF2-40B4-BE49-F238E27FC236}">
-                <a16:creationId xmlns:a16="http://schemas.microsoft.com/office/drawing/2014/main" id="{219BC292-EA82-544C-B393-FCBF6A91C13F}"/>
+                <a16:creationId xmlns:a16="http://schemas.microsoft.com/office/drawing/2014/main" id="{5D678328-5DAA-E649-B67C-B5BCCCD6A914}"/>
               </a:ext>
             </a:extLst>
           </p:cNvPr>
@@ -8671,15 +8657,15 @@
         </p:blipFill>
         <p:spPr>
           <a:xfrm>
-            <a:off x="567947" y="1325563"/>
-            <a:ext cx="9611868" cy="5404374"/>
+            <a:off x="838200" y="1908391"/>
+            <a:ext cx="10515600" cy="3612054"/>
           </a:xfrm>
         </p:spPr>
       </p:pic>
     </p:spTree>
     <p:extLst>
       <p:ext uri="{BB962C8B-B14F-4D97-AF65-F5344CB8AC3E}">
-        <p14:creationId xmlns:p14="http://schemas.microsoft.com/office/powerpoint/2010/main" val="1904275062"/>
+        <p14:creationId xmlns:p14="http://schemas.microsoft.com/office/powerpoint/2010/main" val="520890092"/>
       </p:ext>
     </p:extLst>
   </p:cSld>
@@ -8711,7 +8697,7 @@
           <p:cNvPr id="2" name="Title 1">
             <a:extLst>
               <a:ext uri="{FF2B5EF4-FFF2-40B4-BE49-F238E27FC236}">
-                <a16:creationId xmlns:a16="http://schemas.microsoft.com/office/drawing/2014/main" id="{6B0AC840-F577-5343-8EAE-2609F5FE96F6}"/>
+                <a16:creationId xmlns:a16="http://schemas.microsoft.com/office/drawing/2014/main" id="{AC28B707-3ECB-9F4A-A93C-0E80A8E57301}"/>
               </a:ext>
             </a:extLst>
           </p:cNvPr>
@@ -8722,19 +8708,14 @@
             <p:ph type="title"/>
           </p:nvPr>
         </p:nvSpPr>
-        <p:spPr>
-          <a:xfrm>
-            <a:off x="838200" y="0"/>
-            <a:ext cx="10515600" cy="1325563"/>
-          </a:xfrm>
-        </p:spPr>
+        <p:spPr/>
         <p:txBody>
           <a:bodyPr/>
           <a:lstStyle/>
           <a:p>
             <a:r>
               <a:rPr lang="en-US" dirty="0"/>
-              <a:t>Employment Status by Country</a:t>
+              <a:t>Employment Status</a:t>
             </a:r>
           </a:p>
         </p:txBody>
@@ -8744,7 +8725,7 @@
           <p:cNvPr id="5" name="Content Placeholder 4">
             <a:extLst>
               <a:ext uri="{FF2B5EF4-FFF2-40B4-BE49-F238E27FC236}">
-                <a16:creationId xmlns:a16="http://schemas.microsoft.com/office/drawing/2014/main" id="{5EDBBFAA-64DB-0C43-8611-5C63616E1F80}"/>
+                <a16:creationId xmlns:a16="http://schemas.microsoft.com/office/drawing/2014/main" id="{219BC292-EA82-544C-B393-FCBF6A91C13F}"/>
               </a:ext>
             </a:extLst>
           </p:cNvPr>
@@ -8763,15 +8744,15 @@
         </p:blipFill>
         <p:spPr>
           <a:xfrm>
-            <a:off x="838199" y="1325563"/>
-            <a:ext cx="9749525" cy="5275262"/>
+            <a:off x="1376647" y="1048871"/>
+            <a:ext cx="9438706" cy="5307012"/>
           </a:xfrm>
         </p:spPr>
       </p:pic>
     </p:spTree>
     <p:extLst>
       <p:ext uri="{BB962C8B-B14F-4D97-AF65-F5344CB8AC3E}">
-        <p14:creationId xmlns:p14="http://schemas.microsoft.com/office/powerpoint/2010/main" val="190952436"/>
+        <p14:creationId xmlns:p14="http://schemas.microsoft.com/office/powerpoint/2010/main" val="1904275062"/>
       </p:ext>
     </p:extLst>
   </p:cSld>
@@ -8803,7 +8784,7 @@
           <p:cNvPr id="2" name="Title 1">
             <a:extLst>
               <a:ext uri="{FF2B5EF4-FFF2-40B4-BE49-F238E27FC236}">
-                <a16:creationId xmlns:a16="http://schemas.microsoft.com/office/drawing/2014/main" id="{9105020B-9BA7-6B4F-8977-2A86326F3B74}"/>
+                <a16:creationId xmlns:a16="http://schemas.microsoft.com/office/drawing/2014/main" id="{6B0AC840-F577-5343-8EAE-2609F5FE96F6}"/>
               </a:ext>
             </a:extLst>
           </p:cNvPr>
@@ -8814,19 +8795,14 @@
             <p:ph type="title"/>
           </p:nvPr>
         </p:nvSpPr>
-        <p:spPr>
-          <a:xfrm>
-            <a:off x="838200" y="0"/>
-            <a:ext cx="10515600" cy="1325563"/>
-          </a:xfrm>
-        </p:spPr>
+        <p:spPr/>
         <p:txBody>
           <a:bodyPr/>
           <a:lstStyle/>
           <a:p>
             <a:r>
               <a:rPr lang="en-US" dirty="0"/>
-              <a:t>Job Satisfaction</a:t>
+              <a:t>Employment Status by Country</a:t>
             </a:r>
           </a:p>
         </p:txBody>
@@ -8836,7 +8812,7 @@
           <p:cNvPr id="5" name="Content Placeholder 4">
             <a:extLst>
               <a:ext uri="{FF2B5EF4-FFF2-40B4-BE49-F238E27FC236}">
-                <a16:creationId xmlns:a16="http://schemas.microsoft.com/office/drawing/2014/main" id="{A2558878-E3B6-F14D-8A4F-2B7DC449B9E3}"/>
+                <a16:creationId xmlns:a16="http://schemas.microsoft.com/office/drawing/2014/main" id="{5EDBBFAA-64DB-0C43-8611-5C63616E1F80}"/>
               </a:ext>
             </a:extLst>
           </p:cNvPr>
@@ -8855,15 +8831,15 @@
         </p:blipFill>
         <p:spPr>
           <a:xfrm>
-            <a:off x="838199" y="1325562"/>
-            <a:ext cx="9349535" cy="5532437"/>
+            <a:off x="1191898" y="1049338"/>
+            <a:ext cx="9808204" cy="5307012"/>
           </a:xfrm>
         </p:spPr>
       </p:pic>
     </p:spTree>
     <p:extLst>
       <p:ext uri="{BB962C8B-B14F-4D97-AF65-F5344CB8AC3E}">
-        <p14:creationId xmlns:p14="http://schemas.microsoft.com/office/powerpoint/2010/main" val="3308582341"/>
+        <p14:creationId xmlns:p14="http://schemas.microsoft.com/office/powerpoint/2010/main" val="190952436"/>
       </p:ext>
     </p:extLst>
   </p:cSld>
@@ -8895,7 +8871,7 @@
           <p:cNvPr id="2" name="Title 1">
             <a:extLst>
               <a:ext uri="{FF2B5EF4-FFF2-40B4-BE49-F238E27FC236}">
-                <a16:creationId xmlns:a16="http://schemas.microsoft.com/office/drawing/2014/main" id="{DD362F66-69F2-5342-B50A-C7A7A8333E43}"/>
+                <a16:creationId xmlns:a16="http://schemas.microsoft.com/office/drawing/2014/main" id="{9105020B-9BA7-6B4F-8977-2A86326F3B74}"/>
               </a:ext>
             </a:extLst>
           </p:cNvPr>
@@ -8906,29 +8882,24 @@
             <p:ph type="title"/>
           </p:nvPr>
         </p:nvSpPr>
-        <p:spPr>
-          <a:xfrm>
-            <a:off x="838200" y="0"/>
-            <a:ext cx="10515600" cy="1325563"/>
-          </a:xfrm>
-        </p:spPr>
+        <p:spPr/>
         <p:txBody>
           <a:bodyPr/>
           <a:lstStyle/>
           <a:p>
             <a:r>
               <a:rPr lang="en-US" dirty="0"/>
-              <a:t>Career Satisfaction – Global vs US</a:t>
+              <a:t>Job Satisfaction</a:t>
             </a:r>
           </a:p>
         </p:txBody>
       </p:sp>
       <p:pic>
         <p:nvPicPr>
-          <p:cNvPr id="9" name="Content Placeholder 8">
-            <a:extLst>
-              <a:ext uri="{FF2B5EF4-FFF2-40B4-BE49-F238E27FC236}">
-                <a16:creationId xmlns:a16="http://schemas.microsoft.com/office/drawing/2014/main" id="{D5DDFBBC-B335-E142-9518-A2437C9E70D6}"/>
+          <p:cNvPr id="5" name="Content Placeholder 4">
+            <a:extLst>
+              <a:ext uri="{FF2B5EF4-FFF2-40B4-BE49-F238E27FC236}">
+                <a16:creationId xmlns:a16="http://schemas.microsoft.com/office/drawing/2014/main" id="{A2558878-E3B6-F14D-8A4F-2B7DC449B9E3}"/>
               </a:ext>
             </a:extLst>
           </p:cNvPr>
@@ -8947,8 +8918,95 @@
         </p:blipFill>
         <p:spPr>
           <a:xfrm>
-            <a:off x="838199" y="1325562"/>
-            <a:ext cx="9077325" cy="5437001"/>
+            <a:off x="1611710" y="1048871"/>
+            <a:ext cx="8968579" cy="5307012"/>
+          </a:xfrm>
+        </p:spPr>
+      </p:pic>
+    </p:spTree>
+    <p:extLst>
+      <p:ext uri="{BB962C8B-B14F-4D97-AF65-F5344CB8AC3E}">
+        <p14:creationId xmlns:p14="http://schemas.microsoft.com/office/powerpoint/2010/main" val="3308582341"/>
+      </p:ext>
+    </p:extLst>
+  </p:cSld>
+  <p:clrMapOvr>
+    <a:masterClrMapping/>
+  </p:clrMapOvr>
+</p:sld>
+</file>
+
+<file path=ppt/slides/slide26.xml><?xml version="1.0" encoding="utf-8"?>
+<p:sld xmlns:a="http://schemas.openxmlformats.org/drawingml/2006/main" xmlns:r="http://schemas.openxmlformats.org/officeDocument/2006/relationships" xmlns:p="http://schemas.openxmlformats.org/presentationml/2006/main">
+  <p:cSld>
+    <p:spTree>
+      <p:nvGrpSpPr>
+        <p:cNvPr id="1" name=""/>
+        <p:cNvGrpSpPr/>
+        <p:nvPr/>
+      </p:nvGrpSpPr>
+      <p:grpSpPr>
+        <a:xfrm>
+          <a:off x="0" y="0"/>
+          <a:ext cx="0" cy="0"/>
+          <a:chOff x="0" y="0"/>
+          <a:chExt cx="0" cy="0"/>
+        </a:xfrm>
+      </p:grpSpPr>
+      <p:sp>
+        <p:nvSpPr>
+          <p:cNvPr id="2" name="Title 1">
+            <a:extLst>
+              <a:ext uri="{FF2B5EF4-FFF2-40B4-BE49-F238E27FC236}">
+                <a16:creationId xmlns:a16="http://schemas.microsoft.com/office/drawing/2014/main" id="{DD362F66-69F2-5342-B50A-C7A7A8333E43}"/>
+              </a:ext>
+            </a:extLst>
+          </p:cNvPr>
+          <p:cNvSpPr>
+            <a:spLocks noGrp="1"/>
+          </p:cNvSpPr>
+          <p:nvPr>
+            <p:ph type="title"/>
+          </p:nvPr>
+        </p:nvSpPr>
+        <p:spPr/>
+        <p:txBody>
+          <a:bodyPr/>
+          <a:lstStyle/>
+          <a:p>
+            <a:r>
+              <a:rPr lang="en-US" dirty="0"/>
+              <a:t>Career Satisfaction – Global vs US</a:t>
+            </a:r>
+          </a:p>
+        </p:txBody>
+      </p:sp>
+      <p:pic>
+        <p:nvPicPr>
+          <p:cNvPr id="9" name="Content Placeholder 8">
+            <a:extLst>
+              <a:ext uri="{FF2B5EF4-FFF2-40B4-BE49-F238E27FC236}">
+                <a16:creationId xmlns:a16="http://schemas.microsoft.com/office/drawing/2014/main" id="{D5DDFBBC-B335-E142-9518-A2437C9E70D6}"/>
+              </a:ext>
+            </a:extLst>
+          </p:cNvPr>
+          <p:cNvPicPr>
+            <a:picLocks noGrp="1" noChangeAspect="1"/>
+          </p:cNvPicPr>
+          <p:nvPr>
+            <p:ph idx="1"/>
+          </p:nvPr>
+        </p:nvPicPr>
+        <p:blipFill>
+          <a:blip r:embed="rId2"/>
+          <a:stretch>
+            <a:fillRect/>
+          </a:stretch>
+        </p:blipFill>
+        <p:spPr>
+          <a:xfrm>
+            <a:off x="1665849" y="1048871"/>
+            <a:ext cx="8860302" cy="5307012"/>
           </a:xfrm>
         </p:spPr>
       </p:pic>
@@ -9117,98 +9175,6 @@
 </p:sld>
 </file>
 
-<file path=ppt/slides/slide26.xml><?xml version="1.0" encoding="utf-8"?>
-<p:sld xmlns:a="http://schemas.openxmlformats.org/drawingml/2006/main" xmlns:r="http://schemas.openxmlformats.org/officeDocument/2006/relationships" xmlns:p="http://schemas.openxmlformats.org/presentationml/2006/main">
-  <p:cSld>
-    <p:spTree>
-      <p:nvGrpSpPr>
-        <p:cNvPr id="1" name=""/>
-        <p:cNvGrpSpPr/>
-        <p:nvPr/>
-      </p:nvGrpSpPr>
-      <p:grpSpPr>
-        <a:xfrm>
-          <a:off x="0" y="0"/>
-          <a:ext cx="0" cy="0"/>
-          <a:chOff x="0" y="0"/>
-          <a:chExt cx="0" cy="0"/>
-        </a:xfrm>
-      </p:grpSpPr>
-      <p:sp>
-        <p:nvSpPr>
-          <p:cNvPr id="2" name="Title 1">
-            <a:extLst>
-              <a:ext uri="{FF2B5EF4-FFF2-40B4-BE49-F238E27FC236}">
-                <a16:creationId xmlns:a16="http://schemas.microsoft.com/office/drawing/2014/main" id="{C8319D9D-4B55-A041-BB70-D1033A4D34FC}"/>
-              </a:ext>
-            </a:extLst>
-          </p:cNvPr>
-          <p:cNvSpPr>
-            <a:spLocks noGrp="1"/>
-          </p:cNvSpPr>
-          <p:nvPr>
-            <p:ph type="title"/>
-          </p:nvPr>
-        </p:nvSpPr>
-        <p:spPr>
-          <a:xfrm>
-            <a:off x="838199" y="0"/>
-            <a:ext cx="10515600" cy="1325563"/>
-          </a:xfrm>
-        </p:spPr>
-        <p:txBody>
-          <a:bodyPr/>
-          <a:lstStyle/>
-          <a:p>
-            <a:r>
-              <a:rPr lang="en-US" dirty="0"/>
-              <a:t>Job Search Status</a:t>
-            </a:r>
-          </a:p>
-        </p:txBody>
-      </p:sp>
-      <p:pic>
-        <p:nvPicPr>
-          <p:cNvPr id="5" name="Content Placeholder 4">
-            <a:extLst>
-              <a:ext uri="{FF2B5EF4-FFF2-40B4-BE49-F238E27FC236}">
-                <a16:creationId xmlns:a16="http://schemas.microsoft.com/office/drawing/2014/main" id="{09D3BE00-B104-7D4C-9437-AEA7CF4775BC}"/>
-              </a:ext>
-            </a:extLst>
-          </p:cNvPr>
-          <p:cNvPicPr>
-            <a:picLocks noGrp="1" noChangeAspect="1"/>
-          </p:cNvPicPr>
-          <p:nvPr>
-            <p:ph idx="1"/>
-          </p:nvPr>
-        </p:nvPicPr>
-        <p:blipFill>
-          <a:blip r:embed="rId2"/>
-          <a:stretch>
-            <a:fillRect/>
-          </a:stretch>
-        </p:blipFill>
-        <p:spPr>
-          <a:xfrm>
-            <a:off x="838199" y="1325563"/>
-            <a:ext cx="10614993" cy="5175250"/>
-          </a:xfrm>
-        </p:spPr>
-      </p:pic>
-    </p:spTree>
-    <p:extLst>
-      <p:ext uri="{BB962C8B-B14F-4D97-AF65-F5344CB8AC3E}">
-        <p14:creationId xmlns:p14="http://schemas.microsoft.com/office/powerpoint/2010/main" val="3055556562"/>
-      </p:ext>
-    </p:extLst>
-  </p:cSld>
-  <p:clrMapOvr>
-    <a:masterClrMapping/>
-  </p:clrMapOvr>
-</p:sld>
-</file>
-
 <file path=ppt/slides/slide27.xml><?xml version="1.0" encoding="utf-8"?>
 <p:sld xmlns:a="http://schemas.openxmlformats.org/drawingml/2006/main" xmlns:r="http://schemas.openxmlformats.org/officeDocument/2006/relationships" xmlns:p="http://schemas.openxmlformats.org/presentationml/2006/main">
   <p:cSld>
@@ -9231,7 +9197,7 @@
           <p:cNvPr id="2" name="Title 1">
             <a:extLst>
               <a:ext uri="{FF2B5EF4-FFF2-40B4-BE49-F238E27FC236}">
-                <a16:creationId xmlns:a16="http://schemas.microsoft.com/office/drawing/2014/main" id="{9FF52C98-7E0F-914A-931E-CE680D11D8B4}"/>
+                <a16:creationId xmlns:a16="http://schemas.microsoft.com/office/drawing/2014/main" id="{C8319D9D-4B55-A041-BB70-D1033A4D34FC}"/>
               </a:ext>
             </a:extLst>
           </p:cNvPr>
@@ -9242,19 +9208,14 @@
             <p:ph type="title"/>
           </p:nvPr>
         </p:nvSpPr>
-        <p:spPr>
-          <a:xfrm>
-            <a:off x="838199" y="0"/>
-            <a:ext cx="10515600" cy="1325563"/>
-          </a:xfrm>
-        </p:spPr>
+        <p:spPr/>
         <p:txBody>
           <a:bodyPr/>
           <a:lstStyle/>
           <a:p>
             <a:r>
               <a:rPr lang="en-US" dirty="0"/>
-              <a:t>Job Hopping </a:t>
+              <a:t>Job Search Status</a:t>
             </a:r>
           </a:p>
         </p:txBody>
@@ -9264,7 +9225,7 @@
           <p:cNvPr id="5" name="Content Placeholder 4">
             <a:extLst>
               <a:ext uri="{FF2B5EF4-FFF2-40B4-BE49-F238E27FC236}">
-                <a16:creationId xmlns:a16="http://schemas.microsoft.com/office/drawing/2014/main" id="{70D4B599-89EC-D848-9C7E-12A1B1760870}"/>
+                <a16:creationId xmlns:a16="http://schemas.microsoft.com/office/drawing/2014/main" id="{09D3BE00-B104-7D4C-9437-AEA7CF4775BC}"/>
               </a:ext>
             </a:extLst>
           </p:cNvPr>
@@ -9283,15 +9244,15 @@
         </p:blipFill>
         <p:spPr>
           <a:xfrm>
-            <a:off x="838199" y="1325563"/>
-            <a:ext cx="8807936" cy="5346700"/>
+            <a:off x="838200" y="1048871"/>
+            <a:ext cx="10515600" cy="5126791"/>
           </a:xfrm>
         </p:spPr>
       </p:pic>
     </p:spTree>
     <p:extLst>
       <p:ext uri="{BB962C8B-B14F-4D97-AF65-F5344CB8AC3E}">
-        <p14:creationId xmlns:p14="http://schemas.microsoft.com/office/powerpoint/2010/main" val="958598198"/>
+        <p14:creationId xmlns:p14="http://schemas.microsoft.com/office/powerpoint/2010/main" val="3055556562"/>
       </p:ext>
     </p:extLst>
   </p:cSld>
@@ -9323,7 +9284,7 @@
           <p:cNvPr id="2" name="Title 1">
             <a:extLst>
               <a:ext uri="{FF2B5EF4-FFF2-40B4-BE49-F238E27FC236}">
-                <a16:creationId xmlns:a16="http://schemas.microsoft.com/office/drawing/2014/main" id="{F31EED3A-EBDB-CD4C-AA9B-14EB7C9535E0}"/>
+                <a16:creationId xmlns:a16="http://schemas.microsoft.com/office/drawing/2014/main" id="{9FF52C98-7E0F-914A-931E-CE680D11D8B4}"/>
               </a:ext>
             </a:extLst>
           </p:cNvPr>
@@ -9334,19 +9295,14 @@
             <p:ph type="title"/>
           </p:nvPr>
         </p:nvSpPr>
-        <p:spPr>
-          <a:xfrm>
-            <a:off x="838200" y="0"/>
-            <a:ext cx="10515600" cy="1325563"/>
-          </a:xfrm>
-        </p:spPr>
+        <p:spPr/>
         <p:txBody>
           <a:bodyPr/>
           <a:lstStyle/>
           <a:p>
             <a:r>
               <a:rPr lang="en-US" dirty="0"/>
-              <a:t>Professional Coding Experience</a:t>
+              <a:t>Job Hopping </a:t>
             </a:r>
           </a:p>
         </p:txBody>
@@ -9356,7 +9312,7 @@
           <p:cNvPr id="5" name="Content Placeholder 4">
             <a:extLst>
               <a:ext uri="{FF2B5EF4-FFF2-40B4-BE49-F238E27FC236}">
-                <a16:creationId xmlns:a16="http://schemas.microsoft.com/office/drawing/2014/main" id="{CFA5B03F-C00F-6748-96A3-0D8AC5160F24}"/>
+                <a16:creationId xmlns:a16="http://schemas.microsoft.com/office/drawing/2014/main" id="{70D4B599-89EC-D848-9C7E-12A1B1760870}"/>
               </a:ext>
             </a:extLst>
           </p:cNvPr>
@@ -9375,15 +9331,15 @@
         </p:blipFill>
         <p:spPr>
           <a:xfrm>
-            <a:off x="838200" y="1325563"/>
-            <a:ext cx="10872482" cy="5132387"/>
+            <a:off x="1724722" y="1049338"/>
+            <a:ext cx="8742556" cy="5307012"/>
           </a:xfrm>
         </p:spPr>
       </p:pic>
     </p:spTree>
     <p:extLst>
       <p:ext uri="{BB962C8B-B14F-4D97-AF65-F5344CB8AC3E}">
-        <p14:creationId xmlns:p14="http://schemas.microsoft.com/office/powerpoint/2010/main" val="3181006487"/>
+        <p14:creationId xmlns:p14="http://schemas.microsoft.com/office/powerpoint/2010/main" val="958598198"/>
       </p:ext>
     </p:extLst>
   </p:cSld>
@@ -9415,7 +9371,7 @@
           <p:cNvPr id="2" name="Title 1">
             <a:extLst>
               <a:ext uri="{FF2B5EF4-FFF2-40B4-BE49-F238E27FC236}">
-                <a16:creationId xmlns:a16="http://schemas.microsoft.com/office/drawing/2014/main" id="{6522A906-BB28-CD4F-BFB1-4141D68BBD8B}"/>
+                <a16:creationId xmlns:a16="http://schemas.microsoft.com/office/drawing/2014/main" id="{F31EED3A-EBDB-CD4C-AA9B-14EB7C9535E0}"/>
               </a:ext>
             </a:extLst>
           </p:cNvPr>
@@ -9426,19 +9382,14 @@
             <p:ph type="title"/>
           </p:nvPr>
         </p:nvSpPr>
-        <p:spPr>
-          <a:xfrm>
-            <a:off x="838200" y="22225"/>
-            <a:ext cx="10515600" cy="1325563"/>
-          </a:xfrm>
-        </p:spPr>
+        <p:spPr/>
         <p:txBody>
           <a:bodyPr/>
           <a:lstStyle/>
           <a:p>
             <a:r>
               <a:rPr lang="en-US" dirty="0"/>
-              <a:t>Salary by Job Title</a:t>
+              <a:t>Professional Coding Experience</a:t>
             </a:r>
           </a:p>
         </p:txBody>
@@ -9448,7 +9399,7 @@
           <p:cNvPr id="5" name="Content Placeholder 4">
             <a:extLst>
               <a:ext uri="{FF2B5EF4-FFF2-40B4-BE49-F238E27FC236}">
-                <a16:creationId xmlns:a16="http://schemas.microsoft.com/office/drawing/2014/main" id="{2950187D-5014-6C4F-908F-13CACDE0DAAB}"/>
+                <a16:creationId xmlns:a16="http://schemas.microsoft.com/office/drawing/2014/main" id="{CFA5B03F-C00F-6748-96A3-0D8AC5160F24}"/>
               </a:ext>
             </a:extLst>
           </p:cNvPr>
@@ -9467,15 +9418,15 @@
         </p:blipFill>
         <p:spPr>
           <a:xfrm>
-            <a:off x="838199" y="1347788"/>
-            <a:ext cx="10720389" cy="5083660"/>
+            <a:off x="838200" y="1396325"/>
+            <a:ext cx="10515600" cy="3872257"/>
           </a:xfrm>
         </p:spPr>
       </p:pic>
     </p:spTree>
     <p:extLst>
       <p:ext uri="{BB962C8B-B14F-4D97-AF65-F5344CB8AC3E}">
-        <p14:creationId xmlns:p14="http://schemas.microsoft.com/office/powerpoint/2010/main" val="4026270847"/>
+        <p14:creationId xmlns:p14="http://schemas.microsoft.com/office/powerpoint/2010/main" val="3181006487"/>
       </p:ext>
     </p:extLst>
   </p:cSld>
@@ -9647,29 +9598,24 @@
             <p:ph type="title"/>
           </p:nvPr>
         </p:nvSpPr>
-        <p:spPr>
-          <a:xfrm>
-            <a:off x="838200" y="22225"/>
-            <a:ext cx="10948988" cy="1325563"/>
-          </a:xfrm>
-        </p:spPr>
+        <p:spPr/>
         <p:txBody>
           <a:bodyPr/>
           <a:lstStyle/>
           <a:p>
             <a:r>
               <a:rPr lang="en-US" dirty="0"/>
-              <a:t>Salary and Experience by Language: Global</a:t>
+              <a:t>Salary by Job Title</a:t>
             </a:r>
           </a:p>
         </p:txBody>
       </p:sp>
       <p:pic>
         <p:nvPicPr>
-          <p:cNvPr id="6" name="Content Placeholder 5">
-            <a:extLst>
-              <a:ext uri="{FF2B5EF4-FFF2-40B4-BE49-F238E27FC236}">
-                <a16:creationId xmlns:a16="http://schemas.microsoft.com/office/drawing/2014/main" id="{CE7BE351-D904-B640-B5F7-57408F49ACCE}"/>
+          <p:cNvPr id="5" name="Content Placeholder 4">
+            <a:extLst>
+              <a:ext uri="{FF2B5EF4-FFF2-40B4-BE49-F238E27FC236}">
+                <a16:creationId xmlns:a16="http://schemas.microsoft.com/office/drawing/2014/main" id="{2950187D-5014-6C4F-908F-13CACDE0DAAB}"/>
               </a:ext>
             </a:extLst>
           </p:cNvPr>
@@ -9688,15 +9634,15 @@
         </p:blipFill>
         <p:spPr>
           <a:xfrm>
-            <a:off x="838200" y="1067806"/>
-            <a:ext cx="10515600" cy="5270075"/>
+            <a:off x="838200" y="1049338"/>
+            <a:ext cx="10515600" cy="5307012"/>
           </a:xfrm>
         </p:spPr>
       </p:pic>
     </p:spTree>
     <p:extLst>
       <p:ext uri="{BB962C8B-B14F-4D97-AF65-F5344CB8AC3E}">
-        <p14:creationId xmlns:p14="http://schemas.microsoft.com/office/powerpoint/2010/main" val="877039281"/>
+        <p14:creationId xmlns:p14="http://schemas.microsoft.com/office/powerpoint/2010/main" val="4026270847"/>
       </p:ext>
     </p:extLst>
   </p:cSld>
@@ -9728,6 +9674,95 @@
           <p:cNvPr id="2" name="Title 1">
             <a:extLst>
               <a:ext uri="{FF2B5EF4-FFF2-40B4-BE49-F238E27FC236}">
+                <a16:creationId xmlns:a16="http://schemas.microsoft.com/office/drawing/2014/main" id="{6522A906-BB28-CD4F-BFB1-4141D68BBD8B}"/>
+              </a:ext>
+            </a:extLst>
+          </p:cNvPr>
+          <p:cNvSpPr>
+            <a:spLocks noGrp="1"/>
+          </p:cNvSpPr>
+          <p:nvPr>
+            <p:ph type="title"/>
+          </p:nvPr>
+        </p:nvSpPr>
+        <p:spPr/>
+        <p:txBody>
+          <a:bodyPr>
+            <a:normAutofit fontScale="90000"/>
+          </a:bodyPr>
+          <a:lstStyle/>
+          <a:p>
+            <a:r>
+              <a:rPr lang="en-US" dirty="0"/>
+              <a:t>Salary and Experience by Language: Global</a:t>
+            </a:r>
+          </a:p>
+        </p:txBody>
+      </p:sp>
+      <p:pic>
+        <p:nvPicPr>
+          <p:cNvPr id="6" name="Content Placeholder 5">
+            <a:extLst>
+              <a:ext uri="{FF2B5EF4-FFF2-40B4-BE49-F238E27FC236}">
+                <a16:creationId xmlns:a16="http://schemas.microsoft.com/office/drawing/2014/main" id="{CE7BE351-D904-B640-B5F7-57408F49ACCE}"/>
+              </a:ext>
+            </a:extLst>
+          </p:cNvPr>
+          <p:cNvPicPr>
+            <a:picLocks noGrp="1" noChangeAspect="1"/>
+          </p:cNvPicPr>
+          <p:nvPr>
+            <p:ph idx="1"/>
+          </p:nvPr>
+        </p:nvPicPr>
+        <p:blipFill>
+          <a:blip r:embed="rId2"/>
+          <a:stretch>
+            <a:fillRect/>
+          </a:stretch>
+        </p:blipFill>
+        <p:spPr>
+          <a:xfrm>
+            <a:off x="271463" y="1067806"/>
+            <a:ext cx="11815761" cy="5790194"/>
+          </a:xfrm>
+        </p:spPr>
+      </p:pic>
+    </p:spTree>
+    <p:extLst>
+      <p:ext uri="{BB962C8B-B14F-4D97-AF65-F5344CB8AC3E}">
+        <p14:creationId xmlns:p14="http://schemas.microsoft.com/office/powerpoint/2010/main" val="877039281"/>
+      </p:ext>
+    </p:extLst>
+  </p:cSld>
+  <p:clrMapOvr>
+    <a:masterClrMapping/>
+  </p:clrMapOvr>
+</p:sld>
+</file>
+
+<file path=ppt/slides/slide32.xml><?xml version="1.0" encoding="utf-8"?>
+<p:sld xmlns:a="http://schemas.openxmlformats.org/drawingml/2006/main" xmlns:r="http://schemas.openxmlformats.org/officeDocument/2006/relationships" xmlns:p="http://schemas.openxmlformats.org/presentationml/2006/main">
+  <p:cSld>
+    <p:spTree>
+      <p:nvGrpSpPr>
+        <p:cNvPr id="1" name=""/>
+        <p:cNvGrpSpPr/>
+        <p:nvPr/>
+      </p:nvGrpSpPr>
+      <p:grpSpPr>
+        <a:xfrm>
+          <a:off x="0" y="0"/>
+          <a:ext cx="0" cy="0"/>
+          <a:chOff x="0" y="0"/>
+          <a:chExt cx="0" cy="0"/>
+        </a:xfrm>
+      </p:grpSpPr>
+      <p:sp>
+        <p:nvSpPr>
+          <p:cNvPr id="2" name="Title 1">
+            <a:extLst>
+              <a:ext uri="{FF2B5EF4-FFF2-40B4-BE49-F238E27FC236}">
                 <a16:creationId xmlns:a16="http://schemas.microsoft.com/office/drawing/2014/main" id="{A561B959-A75C-D141-93BB-141161E6A7B4}"/>
               </a:ext>
             </a:extLst>
@@ -9783,6 +9818,13 @@
             <a:pPr lvl="1"/>
             <a:r>
               <a:rPr lang="en-US" dirty="0"/>
+              <a:t>Popular age group: 24- 35 years</a:t>
+            </a:r>
+          </a:p>
+          <a:p>
+            <a:pPr lvl="1"/>
+            <a:r>
+              <a:rPr lang="en-US" dirty="0"/>
               <a:t>Web-Technologies: </a:t>
             </a:r>
             <a:r>
@@ -9834,13 +9876,6 @@
             <a:r>
               <a:rPr lang="en-US" dirty="0"/>
               <a:t>Most developers preferred to switched job within 1 year. </a:t>
-            </a:r>
-          </a:p>
-          <a:p>
-            <a:pPr lvl="1"/>
-            <a:r>
-              <a:rPr lang="en-US" dirty="0"/>
-              <a:t>Popular age group: 24- 35 years</a:t>
             </a:r>
           </a:p>
           <a:p>
@@ -9861,7 +9896,7 @@
 </p:sld>
 </file>
 
-<file path=ppt/slides/slide32.xml><?xml version="1.0" encoding="utf-8"?>
+<file path=ppt/slides/slide33.xml><?xml version="1.0" encoding="utf-8"?>
 <p:sld xmlns:a="http://schemas.openxmlformats.org/drawingml/2006/main" xmlns:r="http://schemas.openxmlformats.org/officeDocument/2006/relationships" xmlns:p="http://schemas.openxmlformats.org/presentationml/2006/main">
   <p:cSld>
     <p:spTree>
@@ -10122,6 +10157,93 @@
       </p:grpSpPr>
       <p:sp>
         <p:nvSpPr>
+          <p:cNvPr id="4" name="Title 3">
+            <a:extLst>
+              <a:ext uri="{FF2B5EF4-FFF2-40B4-BE49-F238E27FC236}">
+                <a16:creationId xmlns:a16="http://schemas.microsoft.com/office/drawing/2014/main" id="{9950578B-673E-FA40-8F73-E1BF5CD3DB51}"/>
+              </a:ext>
+            </a:extLst>
+          </p:cNvPr>
+          <p:cNvSpPr>
+            <a:spLocks noGrp="1"/>
+          </p:cNvSpPr>
+          <p:nvPr>
+            <p:ph type="title"/>
+          </p:nvPr>
+        </p:nvSpPr>
+        <p:spPr/>
+        <p:txBody>
+          <a:bodyPr/>
+          <a:lstStyle/>
+          <a:p>
+            <a:r>
+              <a:rPr lang="en-US" dirty="0"/>
+              <a:t>Columns</a:t>
+            </a:r>
+          </a:p>
+        </p:txBody>
+      </p:sp>
+      <p:pic>
+        <p:nvPicPr>
+          <p:cNvPr id="7" name="Content Placeholder 6">
+            <a:extLst>
+              <a:ext uri="{FF2B5EF4-FFF2-40B4-BE49-F238E27FC236}">
+                <a16:creationId xmlns:a16="http://schemas.microsoft.com/office/drawing/2014/main" id="{84A2EBDB-7D26-6948-BD52-CCF311D0E10A}"/>
+              </a:ext>
+            </a:extLst>
+          </p:cNvPr>
+          <p:cNvPicPr>
+            <a:picLocks noGrp="1" noChangeAspect="1"/>
+          </p:cNvPicPr>
+          <p:nvPr>
+            <p:ph idx="1"/>
+          </p:nvPr>
+        </p:nvPicPr>
+        <p:blipFill>
+          <a:blip r:embed="rId2"/>
+          <a:stretch>
+            <a:fillRect/>
+          </a:stretch>
+        </p:blipFill>
+        <p:spPr>
+          <a:xfrm>
+            <a:off x="733264" y="1048870"/>
+            <a:ext cx="11096786" cy="5194767"/>
+          </a:xfrm>
+        </p:spPr>
+      </p:pic>
+    </p:spTree>
+    <p:extLst>
+      <p:ext uri="{BB962C8B-B14F-4D97-AF65-F5344CB8AC3E}">
+        <p14:creationId xmlns:p14="http://schemas.microsoft.com/office/powerpoint/2010/main" val="3330278977"/>
+      </p:ext>
+    </p:extLst>
+  </p:cSld>
+  <p:clrMapOvr>
+    <a:masterClrMapping/>
+  </p:clrMapOvr>
+</p:sld>
+</file>
+
+<file path=ppt/slides/slide6.xml><?xml version="1.0" encoding="utf-8"?>
+<p:sld xmlns:a="http://schemas.openxmlformats.org/drawingml/2006/main" xmlns:r="http://schemas.openxmlformats.org/officeDocument/2006/relationships" xmlns:p="http://schemas.openxmlformats.org/presentationml/2006/main">
+  <p:cSld>
+    <p:spTree>
+      <p:nvGrpSpPr>
+        <p:cNvPr id="1" name=""/>
+        <p:cNvGrpSpPr/>
+        <p:nvPr/>
+      </p:nvGrpSpPr>
+      <p:grpSpPr>
+        <a:xfrm>
+          <a:off x="0" y="0"/>
+          <a:ext cx="0" cy="0"/>
+          <a:chOff x="0" y="0"/>
+          <a:chExt cx="0" cy="0"/>
+        </a:xfrm>
+      </p:grpSpPr>
+      <p:sp>
+        <p:nvSpPr>
           <p:cNvPr id="2" name="Title 1">
             <a:extLst>
               <a:ext uri="{FF2B5EF4-FFF2-40B4-BE49-F238E27FC236}">
@@ -10190,92 +10312,6 @@
 </p:sld>
 </file>
 
-<file path=ppt/slides/slide6.xml><?xml version="1.0" encoding="utf-8"?>
-<p:sld xmlns:a="http://schemas.openxmlformats.org/drawingml/2006/main" xmlns:r="http://schemas.openxmlformats.org/officeDocument/2006/relationships" xmlns:p="http://schemas.openxmlformats.org/presentationml/2006/main">
-  <p:cSld>
-    <p:spTree>
-      <p:nvGrpSpPr>
-        <p:cNvPr id="1" name=""/>
-        <p:cNvGrpSpPr/>
-        <p:nvPr/>
-      </p:nvGrpSpPr>
-      <p:grpSpPr>
-        <a:xfrm>
-          <a:off x="0" y="0"/>
-          <a:ext cx="0" cy="0"/>
-          <a:chOff x="0" y="0"/>
-          <a:chExt cx="0" cy="0"/>
-        </a:xfrm>
-      </p:grpSpPr>
-      <p:sp>
-        <p:nvSpPr>
-          <p:cNvPr id="2" name="Title 1">
-            <a:extLst>
-              <a:ext uri="{FF2B5EF4-FFF2-40B4-BE49-F238E27FC236}">
-                <a16:creationId xmlns:a16="http://schemas.microsoft.com/office/drawing/2014/main" id="{550E6CA5-7933-D248-8064-0E3ACBFF0BD4}"/>
-              </a:ext>
-            </a:extLst>
-          </p:cNvPr>
-          <p:cNvSpPr>
-            <a:spLocks noGrp="1"/>
-          </p:cNvSpPr>
-          <p:nvPr>
-            <p:ph type="title"/>
-          </p:nvPr>
-        </p:nvSpPr>
-        <p:spPr/>
-        <p:txBody>
-          <a:bodyPr/>
-          <a:lstStyle/>
-          <a:p>
-            <a:r>
-              <a:rPr lang="en-US" dirty="0"/>
-              <a:t>Process of data analysis and synthesizing</a:t>
-            </a:r>
-          </a:p>
-        </p:txBody>
-      </p:sp>
-      <p:graphicFrame>
-        <p:nvGraphicFramePr>
-          <p:cNvPr id="5" name="Diagram 4">
-            <a:extLst>
-              <a:ext uri="{FF2B5EF4-FFF2-40B4-BE49-F238E27FC236}">
-                <a16:creationId xmlns:a16="http://schemas.microsoft.com/office/drawing/2014/main" id="{7879F971-5E78-DF47-81C7-B31CF94EE71D}"/>
-              </a:ext>
-            </a:extLst>
-          </p:cNvPr>
-          <p:cNvGraphicFramePr/>
-          <p:nvPr>
-            <p:extLst>
-              <p:ext uri="{D42A27DB-BD31-4B8C-83A1-F6EECF244321}">
-                <p14:modId xmlns:p14="http://schemas.microsoft.com/office/powerpoint/2010/main" val="3037781602"/>
-              </p:ext>
-            </p:extLst>
-          </p:nvPr>
-        </p:nvGraphicFramePr>
-        <p:xfrm>
-          <a:off x="531299" y="1048871"/>
-          <a:ext cx="11129402" cy="5405717"/>
-        </p:xfrm>
-        <a:graphic>
-          <a:graphicData uri="http://schemas.openxmlformats.org/drawingml/2006/diagram">
-            <dgm:relIds xmlns:dgm="http://schemas.openxmlformats.org/drawingml/2006/diagram" xmlns:r="http://schemas.openxmlformats.org/officeDocument/2006/relationships" r:dm="rId3" r:lo="rId4" r:qs="rId5" r:cs="rId6"/>
-          </a:graphicData>
-        </a:graphic>
-      </p:graphicFrame>
-    </p:spTree>
-    <p:extLst>
-      <p:ext uri="{BB962C8B-B14F-4D97-AF65-F5344CB8AC3E}">
-        <p14:creationId xmlns:p14="http://schemas.microsoft.com/office/powerpoint/2010/main" val="4263767628"/>
-      </p:ext>
-    </p:extLst>
-  </p:cSld>
-  <p:clrMapOvr>
-    <a:masterClrMapping/>
-  </p:clrMapOvr>
-</p:sld>
-</file>
-
 <file path=ppt/slides/slide7.xml><?xml version="1.0" encoding="utf-8"?>
 <p:sld xmlns:a="http://schemas.openxmlformats.org/drawingml/2006/main" xmlns:r="http://schemas.openxmlformats.org/officeDocument/2006/relationships" xmlns:p="http://schemas.openxmlformats.org/presentationml/2006/main">
   <p:cSld>
@@ -10295,10 +10331,10 @@
       </p:grpSpPr>
       <p:sp>
         <p:nvSpPr>
-          <p:cNvPr id="4" name="Title 3">
-            <a:extLst>
-              <a:ext uri="{FF2B5EF4-FFF2-40B4-BE49-F238E27FC236}">
-                <a16:creationId xmlns:a16="http://schemas.microsoft.com/office/drawing/2014/main" id="{9D248A8A-4E63-3246-AA41-148582ABBA3B}"/>
+          <p:cNvPr id="2" name="Title 1">
+            <a:extLst>
+              <a:ext uri="{FF2B5EF4-FFF2-40B4-BE49-F238E27FC236}">
+                <a16:creationId xmlns:a16="http://schemas.microsoft.com/office/drawing/2014/main" id="{550E6CA5-7933-D248-8064-0E3ACBFF0BD4}"/>
               </a:ext>
             </a:extLst>
           </p:cNvPr>
@@ -10316,15 +10352,43 @@
           <a:p>
             <a:r>
               <a:rPr lang="en-US" dirty="0"/>
-              <a:t>Developer Profile</a:t>
+              <a:t>Process of data analysis and synthesizing</a:t>
             </a:r>
           </a:p>
         </p:txBody>
       </p:sp>
+      <p:graphicFrame>
+        <p:nvGraphicFramePr>
+          <p:cNvPr id="5" name="Diagram 4">
+            <a:extLst>
+              <a:ext uri="{FF2B5EF4-FFF2-40B4-BE49-F238E27FC236}">
+                <a16:creationId xmlns:a16="http://schemas.microsoft.com/office/drawing/2014/main" id="{7879F971-5E78-DF47-81C7-B31CF94EE71D}"/>
+              </a:ext>
+            </a:extLst>
+          </p:cNvPr>
+          <p:cNvGraphicFramePr/>
+          <p:nvPr>
+            <p:extLst>
+              <p:ext uri="{D42A27DB-BD31-4B8C-83A1-F6EECF244321}">
+                <p14:modId xmlns:p14="http://schemas.microsoft.com/office/powerpoint/2010/main" val="3037781602"/>
+              </p:ext>
+            </p:extLst>
+          </p:nvPr>
+        </p:nvGraphicFramePr>
+        <p:xfrm>
+          <a:off x="531299" y="1048871"/>
+          <a:ext cx="11129402" cy="5405717"/>
+        </p:xfrm>
+        <a:graphic>
+          <a:graphicData uri="http://schemas.openxmlformats.org/drawingml/2006/diagram">
+            <dgm:relIds xmlns:dgm="http://schemas.openxmlformats.org/drawingml/2006/diagram" xmlns:r="http://schemas.openxmlformats.org/officeDocument/2006/relationships" r:dm="rId3" r:lo="rId4" r:qs="rId5" r:cs="rId6"/>
+          </a:graphicData>
+        </a:graphic>
+      </p:graphicFrame>
     </p:spTree>
     <p:extLst>
       <p:ext uri="{BB962C8B-B14F-4D97-AF65-F5344CB8AC3E}">
-        <p14:creationId xmlns:p14="http://schemas.microsoft.com/office/powerpoint/2010/main" val="250931104"/>
+        <p14:creationId xmlns:p14="http://schemas.microsoft.com/office/powerpoint/2010/main" val="4263767628"/>
       </p:ext>
     </p:extLst>
   </p:cSld>
@@ -10353,10 +10417,10 @@
       </p:grpSpPr>
       <p:sp>
         <p:nvSpPr>
-          <p:cNvPr id="3" name="Title 2">
-            <a:extLst>
-              <a:ext uri="{FF2B5EF4-FFF2-40B4-BE49-F238E27FC236}">
-                <a16:creationId xmlns:a16="http://schemas.microsoft.com/office/drawing/2014/main" id="{EC4C3BC2-C734-E14A-8A42-1A0A834639EA}"/>
+          <p:cNvPr id="4" name="Title 3">
+            <a:extLst>
+              <a:ext uri="{FF2B5EF4-FFF2-40B4-BE49-F238E27FC236}">
+                <a16:creationId xmlns:a16="http://schemas.microsoft.com/office/drawing/2014/main" id="{9D248A8A-4E63-3246-AA41-148582ABBA3B}"/>
               </a:ext>
             </a:extLst>
           </p:cNvPr>
@@ -10374,44 +10438,15 @@
           <a:p>
             <a:r>
               <a:rPr lang="en-US" dirty="0"/>
-              <a:t>Geography</a:t>
+              <a:t>Developer Profile</a:t>
             </a:r>
           </a:p>
         </p:txBody>
       </p:sp>
-      <p:pic>
-        <p:nvPicPr>
-          <p:cNvPr id="6" name="Content Placeholder 5">
-            <a:extLst>
-              <a:ext uri="{FF2B5EF4-FFF2-40B4-BE49-F238E27FC236}">
-                <a16:creationId xmlns:a16="http://schemas.microsoft.com/office/drawing/2014/main" id="{85AF150A-A5CF-A048-A3F1-F8C0F1DB02CA}"/>
-              </a:ext>
-            </a:extLst>
-          </p:cNvPr>
-          <p:cNvPicPr>
-            <a:picLocks noGrp="1" noChangeAspect="1"/>
-          </p:cNvPicPr>
-          <p:nvPr>
-            <p:ph idx="1"/>
-          </p:nvPr>
-        </p:nvPicPr>
-        <p:blipFill>
-          <a:blip r:embed="rId2"/>
-          <a:stretch>
-            <a:fillRect/>
-          </a:stretch>
-        </p:blipFill>
-        <p:spPr>
-          <a:xfrm>
-            <a:off x="1720477" y="1048871"/>
-            <a:ext cx="8751046" cy="5848913"/>
-          </a:xfrm>
-        </p:spPr>
-      </p:pic>
     </p:spTree>
     <p:extLst>
       <p:ext uri="{BB962C8B-B14F-4D97-AF65-F5344CB8AC3E}">
-        <p14:creationId xmlns:p14="http://schemas.microsoft.com/office/powerpoint/2010/main" val="2423137877"/>
+        <p14:creationId xmlns:p14="http://schemas.microsoft.com/office/powerpoint/2010/main" val="250931104"/>
       </p:ext>
     </p:extLst>
   </p:cSld>
@@ -10440,65 +10475,64 @@
       </p:grpSpPr>
       <p:sp>
         <p:nvSpPr>
-          <p:cNvPr id="2" name="Title 1">
-            <a:extLst>
-              <a:ext uri="{FF2B5EF4-FFF2-40B4-BE49-F238E27FC236}">
-                <a16:creationId xmlns:a16="http://schemas.microsoft.com/office/drawing/2014/main" id="{148D1DF6-1C1F-0A49-8DFF-1CFD9031BCB6}"/>
-              </a:ext>
-            </a:extLst>
-          </p:cNvPr>
-          <p:cNvSpPr>
+          <p:cNvPr id="138" name="Title 2"/>
+          <p:cNvSpPr txBox="1">
             <a:spLocks noGrp="1"/>
           </p:cNvSpPr>
           <p:nvPr>
             <p:ph type="title"/>
           </p:nvPr>
         </p:nvSpPr>
-        <p:spPr/>
+        <p:spPr>
+          <a:prstGeom prst="rect">
+            <a:avLst/>
+          </a:prstGeom>
+        </p:spPr>
         <p:txBody>
           <a:bodyPr/>
           <a:lstStyle/>
           <a:p>
             <a:r>
-              <a:rPr lang="en-US" dirty="0"/>
-              <a:t>Developer Roles</a:t>
+              <a:rPr dirty="0"/>
+              <a:t>Geography</a:t>
             </a:r>
           </a:p>
         </p:txBody>
       </p:sp>
       <p:pic>
         <p:nvPicPr>
-          <p:cNvPr id="5" name="Content Placeholder 4">
-            <a:extLst>
-              <a:ext uri="{FF2B5EF4-FFF2-40B4-BE49-F238E27FC236}">
-                <a16:creationId xmlns:a16="http://schemas.microsoft.com/office/drawing/2014/main" id="{0026115F-D365-0342-853A-81DD3E514840}"/>
-              </a:ext>
-            </a:extLst>
-          </p:cNvPr>
+          <p:cNvPr id="139" name="TotalDevelopersByCountry.png" descr="TotalDevelopersByCountry.png"/>
           <p:cNvPicPr>
-            <a:picLocks noGrp="1" noChangeAspect="1"/>
+            <a:picLocks noChangeAspect="1"/>
           </p:cNvPicPr>
-          <p:nvPr>
-            <p:ph idx="1"/>
-          </p:nvPr>
+          <p:nvPr/>
         </p:nvPicPr>
         <p:blipFill>
-          <a:blip r:embed="rId2"/>
+          <a:blip r:embed="rId2">
+            <a:extLst/>
+          </a:blip>
+          <a:srcRect l="10127" r="10127"/>
           <a:stretch>
             <a:fillRect/>
           </a:stretch>
         </p:blipFill>
         <p:spPr>
           <a:xfrm>
-            <a:off x="2209264" y="1048871"/>
-            <a:ext cx="7773472" cy="5307012"/>
+            <a:off x="2814357" y="1048871"/>
+            <a:ext cx="6563285" cy="4386686"/>
           </a:xfrm>
+          <a:prstGeom prst="rect">
+            <a:avLst/>
+          </a:prstGeom>
+          <a:ln w="12700">
+            <a:miter lim="400000"/>
+          </a:ln>
         </p:spPr>
       </p:pic>
     </p:spTree>
     <p:extLst>
       <p:ext uri="{BB962C8B-B14F-4D97-AF65-F5344CB8AC3E}">
-        <p14:creationId xmlns:p14="http://schemas.microsoft.com/office/powerpoint/2010/main" val="2785525551"/>
+        <p14:creationId xmlns:p14="http://schemas.microsoft.com/office/powerpoint/2010/main" val="4031889657"/>
       </p:ext>
     </p:extLst>
   </p:cSld>
